--- a/markdown/ch5.pptx
+++ b/markdown/ch5.pptx
@@ -5,7 +5,7 @@
     <p:sldMasterId id="2147483648" r:id="rId1"/>
   </p:sldMasterIdLst>
   <p:handoutMasterIdLst>
-    <p:handoutMasterId r:id="rId32"/>
+    <p:handoutMasterId r:id="rId34"/>
   </p:handoutMasterIdLst>
   <p:sldIdLst>
     <p:sldId id="274" r:id="rId2"/>
@@ -34,10 +34,12 @@
     <p:sldId id="321" r:id="rId25"/>
     <p:sldId id="322" r:id="rId26"/>
     <p:sldId id="323" r:id="rId27"/>
-    <p:sldId id="324" r:id="rId28"/>
-    <p:sldId id="325" r:id="rId29"/>
-    <p:sldId id="326" r:id="rId30"/>
-    <p:sldId id="298" r:id="rId31"/>
+    <p:sldId id="328" r:id="rId28"/>
+    <p:sldId id="329" r:id="rId29"/>
+    <p:sldId id="324" r:id="rId30"/>
+    <p:sldId id="325" r:id="rId31"/>
+    <p:sldId id="326" r:id="rId32"/>
+    <p:sldId id="298" r:id="rId33"/>
   </p:sldIdLst>
   <p:sldSz cx="12192000" cy="6858000"/>
   <p:notesSz cx="6858000" cy="9144000"/>
@@ -171,6 +173,8 @@
             <p14:sldId id="321"/>
             <p14:sldId id="322"/>
             <p14:sldId id="323"/>
+            <p14:sldId id="328"/>
+            <p14:sldId id="329"/>
             <p14:sldId id="324"/>
             <p14:sldId id="325"/>
             <p14:sldId id="326"/>
@@ -294,7 +298,7 @@
           <a:p>
             <a:fld id="{BCC1243D-668E-4487-B89E-3E54B40CB1CB}" type="datetimeFigureOut">
               <a:rPr lang="ko-KR" altLang="en-US" smtClean="0"/>
-              <a:t>2023-05-29</a:t>
+              <a:t>2023-05-30</a:t>
             </a:fld>
             <a:endParaRPr lang="ko-KR" altLang="en-US"/>
           </a:p>
@@ -536,7 +540,7 @@
           <a:p>
             <a:fld id="{78604309-49AB-4F63-BCDF-00F26D01FC82}" type="datetimeFigureOut">
               <a:rPr lang="ko-KR" altLang="en-US" smtClean="0"/>
-              <a:t>2023-05-29</a:t>
+              <a:t>2023-05-30</a:t>
             </a:fld>
             <a:endParaRPr lang="ko-KR" altLang="en-US"/>
           </a:p>
@@ -746,7 +750,7 @@
           <a:p>
             <a:fld id="{78604309-49AB-4F63-BCDF-00F26D01FC82}" type="datetimeFigureOut">
               <a:rPr lang="ko-KR" altLang="en-US" smtClean="0"/>
-              <a:t>2023-05-29</a:t>
+              <a:t>2023-05-30</a:t>
             </a:fld>
             <a:endParaRPr lang="ko-KR" altLang="en-US"/>
           </a:p>
@@ -966,7 +970,7 @@
           <a:p>
             <a:fld id="{78604309-49AB-4F63-BCDF-00F26D01FC82}" type="datetimeFigureOut">
               <a:rPr lang="ko-KR" altLang="en-US" smtClean="0"/>
-              <a:t>2023-05-29</a:t>
+              <a:t>2023-05-30</a:t>
             </a:fld>
             <a:endParaRPr lang="ko-KR" altLang="en-US"/>
           </a:p>
@@ -1176,7 +1180,7 @@
           <a:p>
             <a:fld id="{78604309-49AB-4F63-BCDF-00F26D01FC82}" type="datetimeFigureOut">
               <a:rPr lang="ko-KR" altLang="en-US" smtClean="0"/>
-              <a:t>2023-05-29</a:t>
+              <a:t>2023-05-30</a:t>
             </a:fld>
             <a:endParaRPr lang="ko-KR" altLang="en-US"/>
           </a:p>
@@ -1463,7 +1467,7 @@
           <a:p>
             <a:fld id="{78604309-49AB-4F63-BCDF-00F26D01FC82}" type="datetimeFigureOut">
               <a:rPr lang="ko-KR" altLang="en-US" smtClean="0"/>
-              <a:t>2023-05-29</a:t>
+              <a:t>2023-05-30</a:t>
             </a:fld>
             <a:endParaRPr lang="ko-KR" altLang="en-US"/>
           </a:p>
@@ -1740,7 +1744,7 @@
           <a:p>
             <a:fld id="{78604309-49AB-4F63-BCDF-00F26D01FC82}" type="datetimeFigureOut">
               <a:rPr lang="ko-KR" altLang="en-US" smtClean="0"/>
-              <a:t>2023-05-29</a:t>
+              <a:t>2023-05-30</a:t>
             </a:fld>
             <a:endParaRPr lang="ko-KR" altLang="en-US"/>
           </a:p>
@@ -2164,7 +2168,7 @@
           <a:p>
             <a:fld id="{78604309-49AB-4F63-BCDF-00F26D01FC82}" type="datetimeFigureOut">
               <a:rPr lang="ko-KR" altLang="en-US" smtClean="0"/>
-              <a:t>2023-05-29</a:t>
+              <a:t>2023-05-30</a:t>
             </a:fld>
             <a:endParaRPr lang="ko-KR" altLang="en-US"/>
           </a:p>
@@ -2317,7 +2321,7 @@
           <a:p>
             <a:fld id="{78604309-49AB-4F63-BCDF-00F26D01FC82}" type="datetimeFigureOut">
               <a:rPr lang="ko-KR" altLang="en-US" smtClean="0"/>
-              <a:t>2023-05-29</a:t>
+              <a:t>2023-05-30</a:t>
             </a:fld>
             <a:endParaRPr lang="ko-KR" altLang="en-US"/>
           </a:p>
@@ -2442,7 +2446,7 @@
           <a:p>
             <a:fld id="{78604309-49AB-4F63-BCDF-00F26D01FC82}" type="datetimeFigureOut">
               <a:rPr lang="ko-KR" altLang="en-US" smtClean="0"/>
-              <a:t>2023-05-29</a:t>
+              <a:t>2023-05-30</a:t>
             </a:fld>
             <a:endParaRPr lang="ko-KR" altLang="en-US"/>
           </a:p>
@@ -2860,7 +2864,7 @@
           <a:p>
             <a:fld id="{78604309-49AB-4F63-BCDF-00F26D01FC82}" type="datetimeFigureOut">
               <a:rPr lang="ko-KR" altLang="en-US" smtClean="0"/>
-              <a:t>2023-05-29</a:t>
+              <a:t>2023-05-30</a:t>
             </a:fld>
             <a:endParaRPr lang="ko-KR" altLang="en-US"/>
           </a:p>
@@ -3160,7 +3164,7 @@
           <a:p>
             <a:fld id="{78604309-49AB-4F63-BCDF-00F26D01FC82}" type="datetimeFigureOut">
               <a:rPr lang="ko-KR" altLang="en-US" smtClean="0"/>
-              <a:t>2023-05-29</a:t>
+              <a:t>2023-05-30</a:t>
             </a:fld>
             <a:endParaRPr lang="ko-KR" altLang="en-US"/>
           </a:p>
@@ -3413,7 +3417,7 @@
           <a:p>
             <a:fld id="{78604309-49AB-4F63-BCDF-00F26D01FC82}" type="datetimeFigureOut">
               <a:rPr lang="ko-KR" altLang="en-US" smtClean="0"/>
-              <a:t>2023-05-29</a:t>
+              <a:t>2023-05-30</a:t>
             </a:fld>
             <a:endParaRPr lang="ko-KR" altLang="en-US"/>
           </a:p>
@@ -11364,6 +11368,45 @@
                 <a:latin typeface="Consolas" panose="020B0609020204030204" pitchFamily="49" charset="0"/>
               </a:rPr>
               <a:t>    elements = </a:t>
+            </a:r>
+            <a:r>
+              <a:rPr lang="en-US" altLang="ko-KR" sz="1000" b="0" dirty="0">
+                <a:solidFill>
+                  <a:srgbClr val="D4D4D4"/>
+                </a:solidFill>
+                <a:effectLst/>
+                <a:highlight>
+                  <a:srgbClr val="FF0000"/>
+                </a:highlight>
+                <a:latin typeface="Consolas" panose="020B0609020204030204" pitchFamily="49" charset="0"/>
+              </a:rPr>
+              <a:t>(</a:t>
+            </a:r>
+            <a:r>
+              <a:rPr lang="en-US" altLang="ko-KR" sz="1000" b="0" dirty="0">
+                <a:solidFill>
+                  <a:srgbClr val="4EC9B0"/>
+                </a:solidFill>
+                <a:effectLst/>
+                <a:highlight>
+                  <a:srgbClr val="FF0000"/>
+                </a:highlight>
+                <a:latin typeface="Consolas" panose="020B0609020204030204" pitchFamily="49" charset="0"/>
+              </a:rPr>
+              <a:t>E</a:t>
+            </a:r>
+            <a:r>
+              <a:rPr lang="en-US" altLang="ko-KR" sz="1000" b="0" dirty="0">
+                <a:solidFill>
+                  <a:srgbClr val="D4D4D4"/>
+                </a:solidFill>
+                <a:effectLst/>
+                <a:highlight>
+                  <a:srgbClr val="FF0000"/>
+                </a:highlight>
+                <a:latin typeface="Consolas" panose="020B0609020204030204" pitchFamily="49" charset="0"/>
+              </a:rPr>
+              <a:t>[])</a:t>
             </a:r>
             <a:r>
               <a:rPr lang="en-US" altLang="ko-KR" sz="1000" b="0" dirty="0">
@@ -17524,7 +17567,7 @@
         <p:spPr>
           <a:xfrm>
             <a:off x="6422258" y="3039498"/>
-            <a:ext cx="5466106" cy="1477328"/>
+            <a:ext cx="5466106" cy="2308324"/>
           </a:xfrm>
           <a:prstGeom prst="rect">
             <a:avLst/>
@@ -17538,7 +17581,7 @@
           <a:lstStyle/>
           <a:p>
             <a:r>
-              <a:rPr lang="en-US" altLang="ko-KR" sz="1000" b="0" dirty="0">
+              <a:rPr lang="en-US" altLang="ko-KR" sz="1600" b="0" dirty="0">
                 <a:solidFill>
                   <a:srgbClr val="569CD6"/>
                 </a:solidFill>
@@ -17551,7 +17594,7 @@
               <a:t>public</a:t>
             </a:r>
             <a:r>
-              <a:rPr lang="en-US" altLang="ko-KR" sz="1000" b="0" dirty="0">
+              <a:rPr lang="en-US" altLang="ko-KR" sz="1600" b="0" dirty="0">
                 <a:solidFill>
                   <a:srgbClr val="D4D4D4"/>
                 </a:solidFill>
@@ -17564,7 +17607,7 @@
               <a:t> </a:t>
             </a:r>
             <a:r>
-              <a:rPr lang="en-US" altLang="ko-KR" sz="1000" b="0" dirty="0">
+              <a:rPr lang="en-US" altLang="ko-KR" sz="1600" b="0" dirty="0">
                 <a:solidFill>
                   <a:srgbClr val="4EC9B0"/>
                 </a:solidFill>
@@ -17577,7 +17620,7 @@
               <a:t>void</a:t>
             </a:r>
             <a:r>
-              <a:rPr lang="en-US" altLang="ko-KR" sz="1000" b="0" dirty="0">
+              <a:rPr lang="en-US" altLang="ko-KR" sz="1600" b="0" dirty="0">
                 <a:solidFill>
                   <a:srgbClr val="D4D4D4"/>
                 </a:solidFill>
@@ -17590,7 +17633,7 @@
               <a:t> </a:t>
             </a:r>
             <a:r>
-              <a:rPr lang="en-US" altLang="ko-KR" sz="1000" b="0" dirty="0" err="1">
+              <a:rPr lang="en-US" altLang="ko-KR" sz="1600" b="0" dirty="0" err="1">
                 <a:solidFill>
                   <a:srgbClr val="DCDCAA"/>
                 </a:solidFill>
@@ -17603,7 +17646,7 @@
               <a:t>pushAll</a:t>
             </a:r>
             <a:r>
-              <a:rPr lang="en-US" altLang="ko-KR" sz="1000" b="0" dirty="0">
+              <a:rPr lang="en-US" altLang="ko-KR" sz="1600" b="0" dirty="0">
                 <a:solidFill>
                   <a:srgbClr val="D4D4D4"/>
                 </a:solidFill>
@@ -17616,7 +17659,7 @@
               <a:t>(</a:t>
             </a:r>
             <a:r>
-              <a:rPr lang="en-US" altLang="ko-KR" sz="1000" b="0" dirty="0" err="1">
+              <a:rPr lang="en-US" altLang="ko-KR" sz="1600" b="0" dirty="0" err="1">
                 <a:solidFill>
                   <a:srgbClr val="4EC9B0"/>
                 </a:solidFill>
@@ -17629,7 +17672,7 @@
               <a:t>Iterable</a:t>
             </a:r>
             <a:r>
-              <a:rPr lang="en-US" altLang="ko-KR" sz="1000" b="0" dirty="0">
+              <a:rPr lang="en-US" altLang="ko-KR" sz="1600" b="0" dirty="0">
                 <a:solidFill>
                   <a:srgbClr val="D4D4D4"/>
                 </a:solidFill>
@@ -17642,7 +17685,7 @@
               <a:t>&lt;E&gt; </a:t>
             </a:r>
             <a:r>
-              <a:rPr lang="en-US" altLang="ko-KR" sz="1000" b="0" dirty="0" err="1">
+              <a:rPr lang="en-US" altLang="ko-KR" sz="1600" b="0" dirty="0" err="1">
                 <a:solidFill>
                   <a:srgbClr val="D4D4D4"/>
                 </a:solidFill>
@@ -17655,7 +17698,7 @@
               <a:t>src</a:t>
             </a:r>
             <a:r>
-              <a:rPr lang="en-US" altLang="ko-KR" sz="1000" b="0" dirty="0">
+              <a:rPr lang="en-US" altLang="ko-KR" sz="1600" b="0" dirty="0">
                 <a:solidFill>
                   <a:srgbClr val="D4D4D4"/>
                 </a:solidFill>
@@ -17667,7 +17710,7 @@
               </a:rPr>
               <a:t>) {</a:t>
             </a:r>
-            <a:endParaRPr lang="en-US" altLang="ko-KR" sz="1000" b="0" dirty="0">
+            <a:endParaRPr lang="en-US" altLang="ko-KR" sz="1600" b="0" dirty="0">
               <a:solidFill>
                 <a:srgbClr val="CCCCCC"/>
               </a:solidFill>
@@ -17680,7 +17723,7 @@
           </a:p>
           <a:p>
             <a:r>
-              <a:rPr lang="en-US" altLang="ko-KR" sz="1000" b="0" dirty="0">
+              <a:rPr lang="en-US" altLang="ko-KR" sz="1600" b="0" dirty="0">
                 <a:solidFill>
                   <a:srgbClr val="D4D4D4"/>
                 </a:solidFill>
@@ -17693,7 +17736,7 @@
               <a:t>  </a:t>
             </a:r>
             <a:r>
-              <a:rPr lang="en-US" altLang="ko-KR" sz="1000" b="0" dirty="0">
+              <a:rPr lang="en-US" altLang="ko-KR" sz="1600" b="0" dirty="0">
                 <a:solidFill>
                   <a:srgbClr val="C586C0"/>
                 </a:solidFill>
@@ -17706,7 +17749,7 @@
               <a:t>for</a:t>
             </a:r>
             <a:r>
-              <a:rPr lang="en-US" altLang="ko-KR" sz="1000" b="0" dirty="0">
+              <a:rPr lang="en-US" altLang="ko-KR" sz="1600" b="0" dirty="0">
                 <a:solidFill>
                   <a:srgbClr val="D4D4D4"/>
                 </a:solidFill>
@@ -17719,7 +17762,7 @@
               <a:t> (</a:t>
             </a:r>
             <a:r>
-              <a:rPr lang="en-US" altLang="ko-KR" sz="1000" b="0" dirty="0">
+              <a:rPr lang="en-US" altLang="ko-KR" sz="1600" b="0" dirty="0">
                 <a:solidFill>
                   <a:srgbClr val="4EC9B0"/>
                 </a:solidFill>
@@ -17732,7 +17775,7 @@
               <a:t>E</a:t>
             </a:r>
             <a:r>
-              <a:rPr lang="en-US" altLang="ko-KR" sz="1000" b="0" dirty="0">
+              <a:rPr lang="en-US" altLang="ko-KR" sz="1600" b="0" dirty="0">
                 <a:solidFill>
                   <a:srgbClr val="D4D4D4"/>
                 </a:solidFill>
@@ -17745,7 +17788,7 @@
               <a:t> </a:t>
             </a:r>
             <a:r>
-              <a:rPr lang="en-US" altLang="ko-KR" sz="1000" b="0" dirty="0" err="1">
+              <a:rPr lang="en-US" altLang="ko-KR" sz="1600" b="0" dirty="0" err="1">
                 <a:solidFill>
                   <a:srgbClr val="9CDCFE"/>
                 </a:solidFill>
@@ -17758,7 +17801,7 @@
               <a:t>e</a:t>
             </a:r>
             <a:r>
-              <a:rPr lang="en-US" altLang="ko-KR" sz="1000" b="0" dirty="0">
+              <a:rPr lang="en-US" altLang="ko-KR" sz="1600" b="0" dirty="0">
                 <a:solidFill>
                   <a:srgbClr val="D4D4D4"/>
                 </a:solidFill>
@@ -17771,7 +17814,7 @@
               <a:t> </a:t>
             </a:r>
             <a:r>
-              <a:rPr lang="en-US" altLang="ko-KR" sz="1000" b="0" dirty="0">
+              <a:rPr lang="en-US" altLang="ko-KR" sz="1600" b="0" dirty="0">
                 <a:solidFill>
                   <a:srgbClr val="C586C0"/>
                 </a:solidFill>
@@ -17784,7 +17827,7 @@
               <a:t>:</a:t>
             </a:r>
             <a:r>
-              <a:rPr lang="en-US" altLang="ko-KR" sz="1000" b="0" dirty="0">
+              <a:rPr lang="en-US" altLang="ko-KR" sz="1600" b="0" dirty="0">
                 <a:solidFill>
                   <a:srgbClr val="D4D4D4"/>
                 </a:solidFill>
@@ -17797,7 +17840,7 @@
               <a:t> </a:t>
             </a:r>
             <a:r>
-              <a:rPr lang="en-US" altLang="ko-KR" sz="1000" b="0" dirty="0" err="1">
+              <a:rPr lang="en-US" altLang="ko-KR" sz="1600" b="0" dirty="0" err="1">
                 <a:solidFill>
                   <a:srgbClr val="D4D4D4"/>
                 </a:solidFill>
@@ -17810,7 +17853,7 @@
               <a:t>src</a:t>
             </a:r>
             <a:r>
-              <a:rPr lang="en-US" altLang="ko-KR" sz="1000" b="0" dirty="0">
+              <a:rPr lang="en-US" altLang="ko-KR" sz="1600" b="0" dirty="0">
                 <a:solidFill>
                   <a:srgbClr val="D4D4D4"/>
                 </a:solidFill>
@@ -17822,7 +17865,7 @@
               </a:rPr>
               <a:t>)</a:t>
             </a:r>
-            <a:endParaRPr lang="en-US" altLang="ko-KR" sz="1000" b="0" dirty="0">
+            <a:endParaRPr lang="en-US" altLang="ko-KR" sz="1600" b="0" dirty="0">
               <a:solidFill>
                 <a:srgbClr val="CCCCCC"/>
               </a:solidFill>
@@ -17835,7 +17878,7 @@
           </a:p>
           <a:p>
             <a:r>
-              <a:rPr lang="en-US" altLang="ko-KR" sz="1000" b="0" dirty="0">
+              <a:rPr lang="en-US" altLang="ko-KR" sz="1600" b="0" dirty="0">
                 <a:solidFill>
                   <a:srgbClr val="D4D4D4"/>
                 </a:solidFill>
@@ -17848,7 +17891,7 @@
               <a:t>    </a:t>
             </a:r>
             <a:r>
-              <a:rPr lang="en-US" altLang="ko-KR" sz="1000" b="0" dirty="0">
+              <a:rPr lang="en-US" altLang="ko-KR" sz="1600" b="0" dirty="0">
                 <a:solidFill>
                   <a:srgbClr val="DCDCAA"/>
                 </a:solidFill>
@@ -17861,7 +17904,7 @@
               <a:t>push</a:t>
             </a:r>
             <a:r>
-              <a:rPr lang="en-US" altLang="ko-KR" sz="1000" b="0" dirty="0">
+              <a:rPr lang="en-US" altLang="ko-KR" sz="1600" b="0" dirty="0">
                 <a:solidFill>
                   <a:srgbClr val="D4D4D4"/>
                 </a:solidFill>
@@ -17873,7 +17916,7 @@
               </a:rPr>
               <a:t>(e);</a:t>
             </a:r>
-            <a:endParaRPr lang="en-US" altLang="ko-KR" sz="1000" b="0" dirty="0">
+            <a:endParaRPr lang="en-US" altLang="ko-KR" sz="1600" b="0" dirty="0">
               <a:solidFill>
                 <a:srgbClr val="CCCCCC"/>
               </a:solidFill>
@@ -17886,7 +17929,7 @@
           </a:p>
           <a:p>
             <a:r>
-              <a:rPr lang="en-US" altLang="ko-KR" sz="1000" b="0" dirty="0">
+              <a:rPr lang="en-US" altLang="ko-KR" sz="1600" b="0" dirty="0">
                 <a:solidFill>
                   <a:srgbClr val="D4D4D4"/>
                 </a:solidFill>
@@ -17900,7 +17943,7 @@
             </a:r>
           </a:p>
           <a:p>
-            <a:endParaRPr lang="en-US" altLang="ko-KR" sz="1000" dirty="0">
+            <a:endParaRPr lang="en-US" altLang="ko-KR" sz="1600" dirty="0">
               <a:solidFill>
                 <a:srgbClr val="D4D4D4"/>
               </a:solidFill>
@@ -17912,7 +17955,7 @@
           </a:p>
           <a:p>
             <a:r>
-              <a:rPr lang="en-US" altLang="ko-KR" sz="1000" b="0" dirty="0">
+              <a:rPr lang="en-US" altLang="ko-KR" sz="1600" b="0" dirty="0">
                 <a:solidFill>
                   <a:srgbClr val="569CD6"/>
                 </a:solidFill>
@@ -17925,7 +17968,7 @@
               <a:t>public</a:t>
             </a:r>
             <a:r>
-              <a:rPr lang="en-US" altLang="ko-KR" sz="1000" b="0" dirty="0">
+              <a:rPr lang="en-US" altLang="ko-KR" sz="1600" b="0" dirty="0">
                 <a:solidFill>
                   <a:srgbClr val="D4D4D4"/>
                 </a:solidFill>
@@ -17938,7 +17981,7 @@
               <a:t> </a:t>
             </a:r>
             <a:r>
-              <a:rPr lang="en-US" altLang="ko-KR" sz="1000" b="0" dirty="0">
+              <a:rPr lang="en-US" altLang="ko-KR" sz="1600" b="0" dirty="0">
                 <a:solidFill>
                   <a:srgbClr val="4EC9B0"/>
                 </a:solidFill>
@@ -17951,7 +17994,7 @@
               <a:t>void</a:t>
             </a:r>
             <a:r>
-              <a:rPr lang="en-US" altLang="ko-KR" sz="1000" b="0" dirty="0">
+              <a:rPr lang="en-US" altLang="ko-KR" sz="1600" b="0" dirty="0">
                 <a:solidFill>
                   <a:srgbClr val="D4D4D4"/>
                 </a:solidFill>
@@ -17964,7 +18007,7 @@
               <a:t> </a:t>
             </a:r>
             <a:r>
-              <a:rPr lang="en-US" altLang="ko-KR" sz="1000" b="0" dirty="0" err="1">
+              <a:rPr lang="en-US" altLang="ko-KR" sz="1600" b="0" dirty="0" err="1">
                 <a:solidFill>
                   <a:srgbClr val="DCDCAA"/>
                 </a:solidFill>
@@ -17977,7 +18020,7 @@
               <a:t>popAll</a:t>
             </a:r>
             <a:r>
-              <a:rPr lang="en-US" altLang="ko-KR" sz="1000" b="0" dirty="0">
+              <a:rPr lang="en-US" altLang="ko-KR" sz="1600" b="0" dirty="0">
                 <a:solidFill>
                   <a:srgbClr val="D4D4D4"/>
                 </a:solidFill>
@@ -17990,7 +18033,7 @@
               <a:t>(</a:t>
             </a:r>
             <a:r>
-              <a:rPr lang="en-US" altLang="ko-KR" sz="1000" b="0" dirty="0">
+              <a:rPr lang="en-US" altLang="ko-KR" sz="1600" b="0" dirty="0">
                 <a:solidFill>
                   <a:srgbClr val="4EC9B0"/>
                 </a:solidFill>
@@ -18003,7 +18046,7 @@
               <a:t>Collection</a:t>
             </a:r>
             <a:r>
-              <a:rPr lang="en-US" altLang="ko-KR" sz="1000" b="0" dirty="0">
+              <a:rPr lang="en-US" altLang="ko-KR" sz="1600" b="0" dirty="0">
                 <a:solidFill>
                   <a:srgbClr val="D4D4D4"/>
                 </a:solidFill>
@@ -18016,7 +18059,7 @@
               <a:t>&lt;E&gt; </a:t>
             </a:r>
             <a:r>
-              <a:rPr lang="en-US" altLang="ko-KR" sz="1000" b="0" dirty="0" err="1">
+              <a:rPr lang="en-US" altLang="ko-KR" sz="1600" b="0" dirty="0" err="1">
                 <a:solidFill>
                   <a:srgbClr val="D4D4D4"/>
                 </a:solidFill>
@@ -18029,7 +18072,7 @@
               <a:t>dst</a:t>
             </a:r>
             <a:r>
-              <a:rPr lang="en-US" altLang="ko-KR" sz="1000" b="0" dirty="0">
+              <a:rPr lang="en-US" altLang="ko-KR" sz="1600" b="0" dirty="0">
                 <a:solidFill>
                   <a:srgbClr val="D4D4D4"/>
                 </a:solidFill>
@@ -18041,7 +18084,7 @@
               </a:rPr>
               <a:t>) {</a:t>
             </a:r>
-            <a:endParaRPr lang="en-US" altLang="ko-KR" sz="1000" b="0" dirty="0">
+            <a:endParaRPr lang="en-US" altLang="ko-KR" sz="1600" b="0" dirty="0">
               <a:solidFill>
                 <a:srgbClr val="CCCCCC"/>
               </a:solidFill>
@@ -18054,7 +18097,7 @@
           </a:p>
           <a:p>
             <a:r>
-              <a:rPr lang="en-US" altLang="ko-KR" sz="1000" b="0" dirty="0">
+              <a:rPr lang="en-US" altLang="ko-KR" sz="1600" b="0" dirty="0">
                 <a:solidFill>
                   <a:srgbClr val="D4D4D4"/>
                 </a:solidFill>
@@ -18067,7 +18110,7 @@
               <a:t>  </a:t>
             </a:r>
             <a:r>
-              <a:rPr lang="en-US" altLang="ko-KR" sz="1000" b="0" dirty="0">
+              <a:rPr lang="en-US" altLang="ko-KR" sz="1600" b="0" dirty="0">
                 <a:solidFill>
                   <a:srgbClr val="C586C0"/>
                 </a:solidFill>
@@ -18080,7 +18123,7 @@
               <a:t>while</a:t>
             </a:r>
             <a:r>
-              <a:rPr lang="en-US" altLang="ko-KR" sz="1000" b="0" dirty="0">
+              <a:rPr lang="en-US" altLang="ko-KR" sz="1600" b="0" dirty="0">
                 <a:solidFill>
                   <a:srgbClr val="D4D4D4"/>
                 </a:solidFill>
@@ -18093,7 +18136,7 @@
               <a:t> (!</a:t>
             </a:r>
             <a:r>
-              <a:rPr lang="en-US" altLang="ko-KR" sz="1000" b="0" dirty="0" err="1">
+              <a:rPr lang="en-US" altLang="ko-KR" sz="1600" b="0" dirty="0" err="1">
                 <a:solidFill>
                   <a:srgbClr val="DCDCAA"/>
                 </a:solidFill>
@@ -18106,7 +18149,7 @@
               <a:t>isEmpty</a:t>
             </a:r>
             <a:r>
-              <a:rPr lang="en-US" altLang="ko-KR" sz="1000" b="0" dirty="0">
+              <a:rPr lang="en-US" altLang="ko-KR" sz="1600" b="0" dirty="0">
                 <a:solidFill>
                   <a:srgbClr val="D4D4D4"/>
                 </a:solidFill>
@@ -18118,7 +18161,7 @@
               </a:rPr>
               <a:t>())</a:t>
             </a:r>
-            <a:endParaRPr lang="en-US" altLang="ko-KR" sz="1000" b="0" dirty="0">
+            <a:endParaRPr lang="en-US" altLang="ko-KR" sz="1600" b="0" dirty="0">
               <a:solidFill>
                 <a:srgbClr val="CCCCCC"/>
               </a:solidFill>
@@ -18131,7 +18174,7 @@
           </a:p>
           <a:p>
             <a:r>
-              <a:rPr lang="en-US" altLang="ko-KR" sz="1000" b="0" dirty="0">
+              <a:rPr lang="en-US" altLang="ko-KR" sz="1600" b="0" dirty="0">
                 <a:solidFill>
                   <a:srgbClr val="D4D4D4"/>
                 </a:solidFill>
@@ -18144,7 +18187,7 @@
               <a:t>    </a:t>
             </a:r>
             <a:r>
-              <a:rPr lang="en-US" altLang="ko-KR" sz="1000" b="0" dirty="0" err="1">
+              <a:rPr lang="en-US" altLang="ko-KR" sz="1600" b="0" dirty="0" err="1">
                 <a:solidFill>
                   <a:srgbClr val="9CDCFE"/>
                 </a:solidFill>
@@ -18157,7 +18200,7 @@
               <a:t>dst</a:t>
             </a:r>
             <a:r>
-              <a:rPr lang="en-US" altLang="ko-KR" sz="1000" b="0" dirty="0" err="1">
+              <a:rPr lang="en-US" altLang="ko-KR" sz="1600" b="0" dirty="0" err="1">
                 <a:solidFill>
                   <a:srgbClr val="D4D4D4"/>
                 </a:solidFill>
@@ -18170,7 +18213,7 @@
               <a:t>.</a:t>
             </a:r>
             <a:r>
-              <a:rPr lang="en-US" altLang="ko-KR" sz="1000" b="0" dirty="0" err="1">
+              <a:rPr lang="en-US" altLang="ko-KR" sz="1600" b="0" dirty="0" err="1">
                 <a:solidFill>
                   <a:srgbClr val="DCDCAA"/>
                 </a:solidFill>
@@ -18183,7 +18226,7 @@
               <a:t>add</a:t>
             </a:r>
             <a:r>
-              <a:rPr lang="en-US" altLang="ko-KR" sz="1000" b="0" dirty="0">
+              <a:rPr lang="en-US" altLang="ko-KR" sz="1600" b="0" dirty="0">
                 <a:solidFill>
                   <a:srgbClr val="D4D4D4"/>
                 </a:solidFill>
@@ -18196,7 +18239,7 @@
               <a:t>(</a:t>
             </a:r>
             <a:r>
-              <a:rPr lang="en-US" altLang="ko-KR" sz="1000" b="0" dirty="0">
+              <a:rPr lang="en-US" altLang="ko-KR" sz="1600" b="0" dirty="0">
                 <a:solidFill>
                   <a:srgbClr val="DCDCAA"/>
                 </a:solidFill>
@@ -18209,7 +18252,7 @@
               <a:t>pop</a:t>
             </a:r>
             <a:r>
-              <a:rPr lang="en-US" altLang="ko-KR" sz="1000" b="0" dirty="0">
+              <a:rPr lang="en-US" altLang="ko-KR" sz="1600" b="0" dirty="0">
                 <a:solidFill>
                   <a:srgbClr val="D4D4D4"/>
                 </a:solidFill>
@@ -18221,7 +18264,7 @@
               </a:rPr>
               <a:t>());</a:t>
             </a:r>
-            <a:endParaRPr lang="en-US" altLang="ko-KR" sz="1000" b="0" dirty="0">
+            <a:endParaRPr lang="en-US" altLang="ko-KR" sz="1600" b="0" dirty="0">
               <a:solidFill>
                 <a:srgbClr val="CCCCCC"/>
               </a:solidFill>
@@ -18234,7 +18277,7 @@
           </a:p>
           <a:p>
             <a:r>
-              <a:rPr lang="en-US" altLang="ko-KR" sz="1000" b="0" dirty="0">
+              <a:rPr lang="en-US" altLang="ko-KR" sz="1600" b="0" dirty="0">
                 <a:solidFill>
                   <a:srgbClr val="D4D4D4"/>
                 </a:solidFill>
@@ -18246,7 +18289,7 @@
               </a:rPr>
               <a:t>}</a:t>
             </a:r>
-            <a:endParaRPr lang="en-US" altLang="ko-KR" sz="1000" b="0" dirty="0">
+            <a:endParaRPr lang="en-US" altLang="ko-KR" sz="1600" b="0" dirty="0">
               <a:solidFill>
                 <a:srgbClr val="CCCCCC"/>
               </a:solidFill>
@@ -18274,7 +18317,7 @@
         <p:spPr>
           <a:xfrm>
             <a:off x="409934" y="3039498"/>
-            <a:ext cx="5466106" cy="1477328"/>
+            <a:ext cx="5466106" cy="2554545"/>
           </a:xfrm>
           <a:prstGeom prst="rect">
             <a:avLst/>
@@ -18288,7 +18331,7 @@
           <a:lstStyle/>
           <a:p>
             <a:r>
-              <a:rPr lang="en-US" altLang="ko-KR" sz="1000" b="0" dirty="0">
+              <a:rPr lang="en-US" altLang="ko-KR" sz="1600" b="0" dirty="0">
                 <a:solidFill>
                   <a:srgbClr val="569CD6"/>
                 </a:solidFill>
@@ -18301,7 +18344,7 @@
               <a:t>public</a:t>
             </a:r>
             <a:r>
-              <a:rPr lang="en-US" altLang="ko-KR" sz="1000" b="0" dirty="0">
+              <a:rPr lang="en-US" altLang="ko-KR" sz="1600" b="0" dirty="0">
                 <a:solidFill>
                   <a:srgbClr val="D4D4D4"/>
                 </a:solidFill>
@@ -18314,7 +18357,7 @@
               <a:t> </a:t>
             </a:r>
             <a:r>
-              <a:rPr lang="en-US" altLang="ko-KR" sz="1000" b="0" dirty="0">
+              <a:rPr lang="en-US" altLang="ko-KR" sz="1600" b="0" dirty="0">
                 <a:solidFill>
                   <a:srgbClr val="4EC9B0"/>
                 </a:solidFill>
@@ -18327,7 +18370,7 @@
               <a:t>void</a:t>
             </a:r>
             <a:r>
-              <a:rPr lang="en-US" altLang="ko-KR" sz="1000" b="0" dirty="0">
+              <a:rPr lang="en-US" altLang="ko-KR" sz="1600" b="0" dirty="0">
                 <a:solidFill>
                   <a:srgbClr val="D4D4D4"/>
                 </a:solidFill>
@@ -18340,7 +18383,7 @@
               <a:t> </a:t>
             </a:r>
             <a:r>
-              <a:rPr lang="en-US" altLang="ko-KR" sz="1000" b="0" dirty="0" err="1">
+              <a:rPr lang="en-US" altLang="ko-KR" sz="1600" b="0" dirty="0" err="1">
                 <a:solidFill>
                   <a:srgbClr val="DCDCAA"/>
                 </a:solidFill>
@@ -18353,7 +18396,7 @@
               <a:t>pushAll</a:t>
             </a:r>
             <a:r>
-              <a:rPr lang="en-US" altLang="ko-KR" sz="1000" b="0" dirty="0">
+              <a:rPr lang="en-US" altLang="ko-KR" sz="1600" b="0" dirty="0">
                 <a:solidFill>
                   <a:srgbClr val="D4D4D4"/>
                 </a:solidFill>
@@ -18366,7 +18409,7 @@
               <a:t>(</a:t>
             </a:r>
             <a:r>
-              <a:rPr lang="en-US" altLang="ko-KR" sz="1000" b="0" dirty="0" err="1">
+              <a:rPr lang="en-US" altLang="ko-KR" sz="1600" b="0" dirty="0" err="1">
                 <a:solidFill>
                   <a:srgbClr val="4EC9B0"/>
                 </a:solidFill>
@@ -18379,7 +18422,7 @@
               <a:t>Iterable</a:t>
             </a:r>
             <a:r>
-              <a:rPr lang="en-US" altLang="ko-KR" sz="1000" b="0" dirty="0">
+              <a:rPr lang="en-US" altLang="ko-KR" sz="1600" b="0" dirty="0">
                 <a:solidFill>
                   <a:srgbClr val="D4D4D4"/>
                 </a:solidFill>
@@ -18392,7 +18435,7 @@
               <a:t>&lt;</a:t>
             </a:r>
             <a:r>
-              <a:rPr lang="en-US" altLang="ko-KR" sz="1000" b="0" dirty="0">
+              <a:rPr lang="en-US" altLang="ko-KR" sz="1600" b="0" dirty="0">
                 <a:solidFill>
                   <a:srgbClr val="C586C0"/>
                 </a:solidFill>
@@ -18405,7 +18448,7 @@
               <a:t>?</a:t>
             </a:r>
             <a:r>
-              <a:rPr lang="en-US" altLang="ko-KR" sz="1000" b="0" dirty="0">
+              <a:rPr lang="en-US" altLang="ko-KR" sz="1600" b="0" dirty="0">
                 <a:solidFill>
                   <a:srgbClr val="D4D4D4"/>
                 </a:solidFill>
@@ -18418,7 +18461,7 @@
               <a:t> extends E&gt; </a:t>
             </a:r>
             <a:r>
-              <a:rPr lang="en-US" altLang="ko-KR" sz="1000" b="0" dirty="0" err="1">
+              <a:rPr lang="en-US" altLang="ko-KR" sz="1600" b="0" dirty="0" err="1">
                 <a:solidFill>
                   <a:srgbClr val="D4D4D4"/>
                 </a:solidFill>
@@ -18431,7 +18474,7 @@
               <a:t>src</a:t>
             </a:r>
             <a:r>
-              <a:rPr lang="en-US" altLang="ko-KR" sz="1000" b="0" dirty="0">
+              <a:rPr lang="en-US" altLang="ko-KR" sz="1600" b="0" dirty="0">
                 <a:solidFill>
                   <a:srgbClr val="D4D4D4"/>
                 </a:solidFill>
@@ -18443,7 +18486,7 @@
               </a:rPr>
               <a:t>) {</a:t>
             </a:r>
-            <a:endParaRPr lang="en-US" altLang="ko-KR" sz="1000" b="0" dirty="0">
+            <a:endParaRPr lang="en-US" altLang="ko-KR" sz="1600" b="0" dirty="0">
               <a:solidFill>
                 <a:srgbClr val="CCCCCC"/>
               </a:solidFill>
@@ -18456,7 +18499,7 @@
           </a:p>
           <a:p>
             <a:r>
-              <a:rPr lang="en-US" altLang="ko-KR" sz="1000" b="0" dirty="0">
+              <a:rPr lang="en-US" altLang="ko-KR" sz="1600" b="0" dirty="0">
                 <a:solidFill>
                   <a:srgbClr val="D4D4D4"/>
                 </a:solidFill>
@@ -18469,7 +18512,7 @@
               <a:t>  </a:t>
             </a:r>
             <a:r>
-              <a:rPr lang="en-US" altLang="ko-KR" sz="1000" b="0" dirty="0">
+              <a:rPr lang="en-US" altLang="ko-KR" sz="1600" b="0" dirty="0">
                 <a:solidFill>
                   <a:srgbClr val="C586C0"/>
                 </a:solidFill>
@@ -18482,7 +18525,7 @@
               <a:t>for</a:t>
             </a:r>
             <a:r>
-              <a:rPr lang="en-US" altLang="ko-KR" sz="1000" b="0" dirty="0">
+              <a:rPr lang="en-US" altLang="ko-KR" sz="1600" b="0" dirty="0">
                 <a:solidFill>
                   <a:srgbClr val="D4D4D4"/>
                 </a:solidFill>
@@ -18495,7 +18538,7 @@
               <a:t> (</a:t>
             </a:r>
             <a:r>
-              <a:rPr lang="en-US" altLang="ko-KR" sz="1000" b="0" dirty="0">
+              <a:rPr lang="en-US" altLang="ko-KR" sz="1600" b="0" dirty="0">
                 <a:solidFill>
                   <a:srgbClr val="4EC9B0"/>
                 </a:solidFill>
@@ -18508,7 +18551,7 @@
               <a:t>E</a:t>
             </a:r>
             <a:r>
-              <a:rPr lang="en-US" altLang="ko-KR" sz="1000" b="0" dirty="0">
+              <a:rPr lang="en-US" altLang="ko-KR" sz="1600" b="0" dirty="0">
                 <a:solidFill>
                   <a:srgbClr val="D4D4D4"/>
                 </a:solidFill>
@@ -18521,7 +18564,7 @@
               <a:t> </a:t>
             </a:r>
             <a:r>
-              <a:rPr lang="en-US" altLang="ko-KR" sz="1000" b="0" dirty="0" err="1">
+              <a:rPr lang="en-US" altLang="ko-KR" sz="1600" b="0" dirty="0" err="1">
                 <a:solidFill>
                   <a:srgbClr val="9CDCFE"/>
                 </a:solidFill>
@@ -18534,7 +18577,7 @@
               <a:t>e</a:t>
             </a:r>
             <a:r>
-              <a:rPr lang="en-US" altLang="ko-KR" sz="1000" b="0" dirty="0">
+              <a:rPr lang="en-US" altLang="ko-KR" sz="1600" b="0" dirty="0">
                 <a:solidFill>
                   <a:srgbClr val="D4D4D4"/>
                 </a:solidFill>
@@ -18547,7 +18590,7 @@
               <a:t> </a:t>
             </a:r>
             <a:r>
-              <a:rPr lang="en-US" altLang="ko-KR" sz="1000" b="0" dirty="0">
+              <a:rPr lang="en-US" altLang="ko-KR" sz="1600" b="0" dirty="0">
                 <a:solidFill>
                   <a:srgbClr val="C586C0"/>
                 </a:solidFill>
@@ -18560,7 +18603,7 @@
               <a:t>:</a:t>
             </a:r>
             <a:r>
-              <a:rPr lang="en-US" altLang="ko-KR" sz="1000" b="0" dirty="0">
+              <a:rPr lang="en-US" altLang="ko-KR" sz="1600" b="0" dirty="0">
                 <a:solidFill>
                   <a:srgbClr val="D4D4D4"/>
                 </a:solidFill>
@@ -18573,7 +18616,7 @@
               <a:t> </a:t>
             </a:r>
             <a:r>
-              <a:rPr lang="en-US" altLang="ko-KR" sz="1000" b="0" dirty="0" err="1">
+              <a:rPr lang="en-US" altLang="ko-KR" sz="1600" b="0" dirty="0" err="1">
                 <a:solidFill>
                   <a:srgbClr val="D4D4D4"/>
                 </a:solidFill>
@@ -18586,7 +18629,7 @@
               <a:t>src</a:t>
             </a:r>
             <a:r>
-              <a:rPr lang="en-US" altLang="ko-KR" sz="1000" b="0" dirty="0">
+              <a:rPr lang="en-US" altLang="ko-KR" sz="1600" b="0" dirty="0">
                 <a:solidFill>
                   <a:srgbClr val="D4D4D4"/>
                 </a:solidFill>
@@ -18598,7 +18641,7 @@
               </a:rPr>
               <a:t>)</a:t>
             </a:r>
-            <a:endParaRPr lang="en-US" altLang="ko-KR" sz="1000" b="0" dirty="0">
+            <a:endParaRPr lang="en-US" altLang="ko-KR" sz="1600" b="0" dirty="0">
               <a:solidFill>
                 <a:srgbClr val="CCCCCC"/>
               </a:solidFill>
@@ -18611,7 +18654,7 @@
           </a:p>
           <a:p>
             <a:r>
-              <a:rPr lang="en-US" altLang="ko-KR" sz="1000" b="0" dirty="0">
+              <a:rPr lang="en-US" altLang="ko-KR" sz="1600" b="0" dirty="0">
                 <a:solidFill>
                   <a:srgbClr val="D4D4D4"/>
                 </a:solidFill>
@@ -18624,7 +18667,7 @@
               <a:t>   </a:t>
             </a:r>
             <a:r>
-              <a:rPr lang="en-US" altLang="ko-KR" sz="1000" b="0" dirty="0">
+              <a:rPr lang="en-US" altLang="ko-KR" sz="1600" b="0" dirty="0">
                 <a:solidFill>
                   <a:srgbClr val="DCDCAA"/>
                 </a:solidFill>
@@ -18637,7 +18680,7 @@
               <a:t>push</a:t>
             </a:r>
             <a:r>
-              <a:rPr lang="en-US" altLang="ko-KR" sz="1000" b="0" dirty="0">
+              <a:rPr lang="en-US" altLang="ko-KR" sz="1600" b="0" dirty="0">
                 <a:solidFill>
                   <a:srgbClr val="D4D4D4"/>
                 </a:solidFill>
@@ -18649,7 +18692,7 @@
               </a:rPr>
               <a:t>(e);</a:t>
             </a:r>
-            <a:endParaRPr lang="en-US" altLang="ko-KR" sz="1000" b="0" dirty="0">
+            <a:endParaRPr lang="en-US" altLang="ko-KR" sz="1600" b="0" dirty="0">
               <a:solidFill>
                 <a:srgbClr val="CCCCCC"/>
               </a:solidFill>
@@ -18662,7 +18705,7 @@
           </a:p>
           <a:p>
             <a:r>
-              <a:rPr lang="en-US" altLang="ko-KR" sz="1000" b="0" dirty="0">
+              <a:rPr lang="en-US" altLang="ko-KR" sz="1600" b="0" dirty="0">
                 <a:solidFill>
                   <a:srgbClr val="D4D4D4"/>
                 </a:solidFill>
@@ -18676,7 +18719,7 @@
             </a:r>
           </a:p>
           <a:p>
-            <a:endParaRPr lang="en-US" altLang="ko-KR" sz="1000" dirty="0">
+            <a:endParaRPr lang="en-US" altLang="ko-KR" sz="1600" dirty="0">
               <a:solidFill>
                 <a:srgbClr val="D4D4D4"/>
               </a:solidFill>
@@ -18688,7 +18731,7 @@
           </a:p>
           <a:p>
             <a:r>
-              <a:rPr lang="en-US" altLang="ko-KR" sz="1000" b="0" dirty="0">
+              <a:rPr lang="en-US" altLang="ko-KR" sz="1600" b="0" dirty="0">
                 <a:solidFill>
                   <a:srgbClr val="569CD6"/>
                 </a:solidFill>
@@ -18701,7 +18744,7 @@
               <a:t>public</a:t>
             </a:r>
             <a:r>
-              <a:rPr lang="en-US" altLang="ko-KR" sz="1000" b="0" dirty="0">
+              <a:rPr lang="en-US" altLang="ko-KR" sz="1600" b="0" dirty="0">
                 <a:solidFill>
                   <a:srgbClr val="D4D4D4"/>
                 </a:solidFill>
@@ -18714,7 +18757,7 @@
               <a:t> </a:t>
             </a:r>
             <a:r>
-              <a:rPr lang="en-US" altLang="ko-KR" sz="1000" b="0" dirty="0">
+              <a:rPr lang="en-US" altLang="ko-KR" sz="1600" b="0" dirty="0">
                 <a:solidFill>
                   <a:srgbClr val="4EC9B0"/>
                 </a:solidFill>
@@ -18727,7 +18770,7 @@
               <a:t>void</a:t>
             </a:r>
             <a:r>
-              <a:rPr lang="en-US" altLang="ko-KR" sz="1000" b="0" dirty="0">
+              <a:rPr lang="en-US" altLang="ko-KR" sz="1600" b="0" dirty="0">
                 <a:solidFill>
                   <a:srgbClr val="D4D4D4"/>
                 </a:solidFill>
@@ -18740,7 +18783,7 @@
               <a:t> </a:t>
             </a:r>
             <a:r>
-              <a:rPr lang="en-US" altLang="ko-KR" sz="1000" b="0" dirty="0" err="1">
+              <a:rPr lang="en-US" altLang="ko-KR" sz="1600" b="0" dirty="0" err="1">
                 <a:solidFill>
                   <a:srgbClr val="DCDCAA"/>
                 </a:solidFill>
@@ -18753,7 +18796,7 @@
               <a:t>popAll</a:t>
             </a:r>
             <a:r>
-              <a:rPr lang="en-US" altLang="ko-KR" sz="1000" b="0" dirty="0">
+              <a:rPr lang="en-US" altLang="ko-KR" sz="1600" b="0" dirty="0">
                 <a:solidFill>
                   <a:srgbClr val="D4D4D4"/>
                 </a:solidFill>
@@ -18766,7 +18809,7 @@
               <a:t>(</a:t>
             </a:r>
             <a:r>
-              <a:rPr lang="en-US" altLang="ko-KR" sz="1000" b="0" dirty="0">
+              <a:rPr lang="en-US" altLang="ko-KR" sz="1600" b="0" dirty="0">
                 <a:solidFill>
                   <a:srgbClr val="4EC9B0"/>
                 </a:solidFill>
@@ -18779,7 +18822,7 @@
               <a:t>Collection</a:t>
             </a:r>
             <a:r>
-              <a:rPr lang="en-US" altLang="ko-KR" sz="1000" b="0" dirty="0">
+              <a:rPr lang="en-US" altLang="ko-KR" sz="1600" b="0" dirty="0">
                 <a:solidFill>
                   <a:srgbClr val="D4D4D4"/>
                 </a:solidFill>
@@ -18792,7 +18835,7 @@
               <a:t>&lt;</a:t>
             </a:r>
             <a:r>
-              <a:rPr lang="en-US" altLang="ko-KR" sz="1000" b="0" dirty="0">
+              <a:rPr lang="en-US" altLang="ko-KR" sz="1600" b="0" dirty="0">
                 <a:solidFill>
                   <a:srgbClr val="C586C0"/>
                 </a:solidFill>
@@ -18805,7 +18848,7 @@
               <a:t>?</a:t>
             </a:r>
             <a:r>
-              <a:rPr lang="en-US" altLang="ko-KR" sz="1000" b="0" dirty="0">
+              <a:rPr lang="en-US" altLang="ko-KR" sz="1600" b="0" dirty="0">
                 <a:solidFill>
                   <a:srgbClr val="D4D4D4"/>
                 </a:solidFill>
@@ -18818,7 +18861,7 @@
               <a:t> </a:t>
             </a:r>
             <a:r>
-              <a:rPr lang="en-US" altLang="ko-KR" sz="1000" b="0" dirty="0">
+              <a:rPr lang="en-US" altLang="ko-KR" sz="1600" b="0" dirty="0">
                 <a:solidFill>
                   <a:srgbClr val="569CD6"/>
                 </a:solidFill>
@@ -18831,7 +18874,7 @@
               <a:t>super</a:t>
             </a:r>
             <a:r>
-              <a:rPr lang="en-US" altLang="ko-KR" sz="1000" b="0" dirty="0">
+              <a:rPr lang="en-US" altLang="ko-KR" sz="1600" b="0" dirty="0">
                 <a:solidFill>
                   <a:srgbClr val="D4D4D4"/>
                 </a:solidFill>
@@ -18844,7 +18887,7 @@
               <a:t> E&gt; </a:t>
             </a:r>
             <a:r>
-              <a:rPr lang="en-US" altLang="ko-KR" sz="1000" b="0" dirty="0" err="1">
+              <a:rPr lang="en-US" altLang="ko-KR" sz="1600" b="0" dirty="0" err="1">
                 <a:solidFill>
                   <a:srgbClr val="D4D4D4"/>
                 </a:solidFill>
@@ -18857,7 +18900,7 @@
               <a:t>dst</a:t>
             </a:r>
             <a:r>
-              <a:rPr lang="en-US" altLang="ko-KR" sz="1000" b="0" dirty="0">
+              <a:rPr lang="en-US" altLang="ko-KR" sz="1600" b="0" dirty="0">
                 <a:solidFill>
                   <a:srgbClr val="D4D4D4"/>
                 </a:solidFill>
@@ -18869,7 +18912,7 @@
               </a:rPr>
               <a:t>) {</a:t>
             </a:r>
-            <a:endParaRPr lang="en-US" altLang="ko-KR" sz="1000" b="0" dirty="0">
+            <a:endParaRPr lang="en-US" altLang="ko-KR" sz="1600" b="0" dirty="0">
               <a:solidFill>
                 <a:srgbClr val="CCCCCC"/>
               </a:solidFill>
@@ -18882,7 +18925,7 @@
           </a:p>
           <a:p>
             <a:r>
-              <a:rPr lang="en-US" altLang="ko-KR" sz="1000" b="0" dirty="0">
+              <a:rPr lang="en-US" altLang="ko-KR" sz="1600" b="0" dirty="0">
                 <a:solidFill>
                   <a:srgbClr val="D4D4D4"/>
                 </a:solidFill>
@@ -18895,7 +18938,7 @@
               <a:t>  </a:t>
             </a:r>
             <a:r>
-              <a:rPr lang="en-US" altLang="ko-KR" sz="1000" b="0" dirty="0">
+              <a:rPr lang="en-US" altLang="ko-KR" sz="1600" b="0" dirty="0">
                 <a:solidFill>
                   <a:srgbClr val="C586C0"/>
                 </a:solidFill>
@@ -18908,7 +18951,7 @@
               <a:t>while</a:t>
             </a:r>
             <a:r>
-              <a:rPr lang="en-US" altLang="ko-KR" sz="1000" b="0" dirty="0">
+              <a:rPr lang="en-US" altLang="ko-KR" sz="1600" b="0" dirty="0">
                 <a:solidFill>
                   <a:srgbClr val="D4D4D4"/>
                 </a:solidFill>
@@ -18921,7 +18964,7 @@
               <a:t> (!</a:t>
             </a:r>
             <a:r>
-              <a:rPr lang="en-US" altLang="ko-KR" sz="1000" b="0" dirty="0" err="1">
+              <a:rPr lang="en-US" altLang="ko-KR" sz="1600" b="0" dirty="0" err="1">
                 <a:solidFill>
                   <a:srgbClr val="DCDCAA"/>
                 </a:solidFill>
@@ -18934,7 +18977,7 @@
               <a:t>isEmpty</a:t>
             </a:r>
             <a:r>
-              <a:rPr lang="en-US" altLang="ko-KR" sz="1000" b="0" dirty="0">
+              <a:rPr lang="en-US" altLang="ko-KR" sz="1600" b="0" dirty="0">
                 <a:solidFill>
                   <a:srgbClr val="D4D4D4"/>
                 </a:solidFill>
@@ -18946,7 +18989,7 @@
               </a:rPr>
               <a:t>())</a:t>
             </a:r>
-            <a:endParaRPr lang="en-US" altLang="ko-KR" sz="1000" b="0" dirty="0">
+            <a:endParaRPr lang="en-US" altLang="ko-KR" sz="1600" b="0" dirty="0">
               <a:solidFill>
                 <a:srgbClr val="CCCCCC"/>
               </a:solidFill>
@@ -18959,7 +19002,7 @@
           </a:p>
           <a:p>
             <a:r>
-              <a:rPr lang="en-US" altLang="ko-KR" sz="1000" b="0" dirty="0">
+              <a:rPr lang="en-US" altLang="ko-KR" sz="1600" b="0" dirty="0">
                 <a:solidFill>
                   <a:srgbClr val="D4D4D4"/>
                 </a:solidFill>
@@ -18972,7 +19015,7 @@
               <a:t>    </a:t>
             </a:r>
             <a:r>
-              <a:rPr lang="en-US" altLang="ko-KR" sz="1000" b="0" dirty="0" err="1">
+              <a:rPr lang="en-US" altLang="ko-KR" sz="1600" b="0" dirty="0" err="1">
                 <a:solidFill>
                   <a:srgbClr val="9CDCFE"/>
                 </a:solidFill>
@@ -18985,7 +19028,7 @@
               <a:t>dst</a:t>
             </a:r>
             <a:r>
-              <a:rPr lang="en-US" altLang="ko-KR" sz="1000" b="0" dirty="0" err="1">
+              <a:rPr lang="en-US" altLang="ko-KR" sz="1600" b="0" dirty="0" err="1">
                 <a:solidFill>
                   <a:srgbClr val="D4D4D4"/>
                 </a:solidFill>
@@ -18998,7 +19041,7 @@
               <a:t>.</a:t>
             </a:r>
             <a:r>
-              <a:rPr lang="en-US" altLang="ko-KR" sz="1000" b="0" dirty="0" err="1">
+              <a:rPr lang="en-US" altLang="ko-KR" sz="1600" b="0" dirty="0" err="1">
                 <a:solidFill>
                   <a:srgbClr val="DCDCAA"/>
                 </a:solidFill>
@@ -19011,7 +19054,7 @@
               <a:t>add</a:t>
             </a:r>
             <a:r>
-              <a:rPr lang="en-US" altLang="ko-KR" sz="1000" b="0" dirty="0">
+              <a:rPr lang="en-US" altLang="ko-KR" sz="1600" b="0" dirty="0">
                 <a:solidFill>
                   <a:srgbClr val="D4D4D4"/>
                 </a:solidFill>
@@ -19024,7 +19067,7 @@
               <a:t>(</a:t>
             </a:r>
             <a:r>
-              <a:rPr lang="en-US" altLang="ko-KR" sz="1000" b="0" dirty="0">
+              <a:rPr lang="en-US" altLang="ko-KR" sz="1600" b="0" dirty="0">
                 <a:solidFill>
                   <a:srgbClr val="DCDCAA"/>
                 </a:solidFill>
@@ -19037,7 +19080,7 @@
               <a:t>pop</a:t>
             </a:r>
             <a:r>
-              <a:rPr lang="en-US" altLang="ko-KR" sz="1000" b="0" dirty="0">
+              <a:rPr lang="en-US" altLang="ko-KR" sz="1600" b="0" dirty="0">
                 <a:solidFill>
                   <a:srgbClr val="D4D4D4"/>
                 </a:solidFill>
@@ -19049,7 +19092,7 @@
               </a:rPr>
               <a:t>());</a:t>
             </a:r>
-            <a:endParaRPr lang="en-US" altLang="ko-KR" sz="1000" b="0" dirty="0">
+            <a:endParaRPr lang="en-US" altLang="ko-KR" sz="1600" b="0" dirty="0">
               <a:solidFill>
                 <a:srgbClr val="CCCCCC"/>
               </a:solidFill>
@@ -19062,7 +19105,7 @@
           </a:p>
           <a:p>
             <a:r>
-              <a:rPr lang="en-US" altLang="ko-KR" sz="1000" b="0" dirty="0">
+              <a:rPr lang="en-US" altLang="ko-KR" sz="1600" b="0" dirty="0">
                 <a:solidFill>
                   <a:srgbClr val="D4D4D4"/>
                 </a:solidFill>
@@ -19074,7 +19117,7 @@
               </a:rPr>
               <a:t>}</a:t>
             </a:r>
-            <a:endParaRPr lang="en-US" altLang="ko-KR" sz="1000" b="0" dirty="0">
+            <a:endParaRPr lang="en-US" altLang="ko-KR" sz="1600" b="0" dirty="0">
               <a:solidFill>
                 <a:srgbClr val="CCCCCC"/>
               </a:solidFill>
@@ -19652,6 +19695,1322 @@
       </p:grpSpPr>
       <p:sp>
         <p:nvSpPr>
+          <p:cNvPr id="2" name="직사각형 1">
+            <a:extLst>
+              <a:ext uri="{FF2B5EF4-FFF2-40B4-BE49-F238E27FC236}">
+                <a16:creationId xmlns:a16="http://schemas.microsoft.com/office/drawing/2014/main" id="{91F70A0D-4BE1-4C6B-993F-2EACF31ED518}"/>
+              </a:ext>
+            </a:extLst>
+          </p:cNvPr>
+          <p:cNvSpPr/>
+          <p:nvPr/>
+        </p:nvSpPr>
+        <p:spPr>
+          <a:xfrm>
+            <a:off x="0" y="2597498"/>
+            <a:ext cx="12192000" cy="4260501"/>
+          </a:xfrm>
+          <a:prstGeom prst="rect">
+            <a:avLst/>
+          </a:prstGeom>
+          <a:solidFill>
+            <a:schemeClr val="accent3"/>
+          </a:solidFill>
+          <a:ln>
+            <a:noFill/>
+          </a:ln>
+        </p:spPr>
+        <p:style>
+          <a:lnRef idx="2">
+            <a:schemeClr val="accent1">
+              <a:shade val="50000"/>
+            </a:schemeClr>
+          </a:lnRef>
+          <a:fillRef idx="1">
+            <a:schemeClr val="accent1"/>
+          </a:fillRef>
+          <a:effectRef idx="0">
+            <a:schemeClr val="accent1"/>
+          </a:effectRef>
+          <a:fontRef idx="minor">
+            <a:schemeClr val="lt1"/>
+          </a:fontRef>
+        </p:style>
+        <p:txBody>
+          <a:bodyPr rtlCol="0" anchor="ctr"/>
+          <a:lstStyle/>
+          <a:p>
+            <a:pPr algn="ctr"/>
+            <a:endParaRPr lang="ko-KR" altLang="en-US"/>
+          </a:p>
+        </p:txBody>
+      </p:sp>
+      <p:sp>
+        <p:nvSpPr>
+          <p:cNvPr id="3" name="TextBox 2">
+            <a:extLst>
+              <a:ext uri="{FF2B5EF4-FFF2-40B4-BE49-F238E27FC236}">
+                <a16:creationId xmlns:a16="http://schemas.microsoft.com/office/drawing/2014/main" id="{0ED2091A-E6B6-4C61-92E5-B5FAF42A782A}"/>
+              </a:ext>
+            </a:extLst>
+          </p:cNvPr>
+          <p:cNvSpPr txBox="1"/>
+          <p:nvPr/>
+        </p:nvSpPr>
+        <p:spPr>
+          <a:xfrm>
+            <a:off x="0" y="282324"/>
+            <a:ext cx="10415031" cy="461665"/>
+          </a:xfrm>
+          <a:prstGeom prst="rect">
+            <a:avLst/>
+          </a:prstGeom>
+          <a:noFill/>
+        </p:spPr>
+        <p:txBody>
+          <a:bodyPr wrap="none" rtlCol="0">
+            <a:spAutoFit/>
+          </a:bodyPr>
+          <a:lstStyle/>
+          <a:p>
+            <a:r>
+              <a:rPr lang="ko-KR" altLang="en-US" sz="2400" dirty="0"/>
+              <a:t>다음 예시는 가변인수와 제네릭을 </a:t>
+            </a:r>
+            <a:r>
+              <a:rPr lang="ko-KR" altLang="en-US" sz="2400" dirty="0" err="1"/>
+              <a:t>함꼐</a:t>
+            </a:r>
+            <a:r>
+              <a:rPr lang="ko-KR" altLang="en-US" sz="2400" dirty="0"/>
+              <a:t> 사용했을 때 발생할 수 있는 상황이다</a:t>
+            </a:r>
+            <a:endParaRPr lang="en-US" altLang="ko-KR" sz="2400" dirty="0"/>
+          </a:p>
+        </p:txBody>
+      </p:sp>
+      <p:sp>
+        <p:nvSpPr>
+          <p:cNvPr id="4" name="TextBox 3">
+            <a:extLst>
+              <a:ext uri="{FF2B5EF4-FFF2-40B4-BE49-F238E27FC236}">
+                <a16:creationId xmlns:a16="http://schemas.microsoft.com/office/drawing/2014/main" id="{7F9574DC-5BEC-40BA-8B1E-45147E34334C}"/>
+              </a:ext>
+            </a:extLst>
+          </p:cNvPr>
+          <p:cNvSpPr txBox="1"/>
+          <p:nvPr/>
+        </p:nvSpPr>
+        <p:spPr>
+          <a:xfrm>
+            <a:off x="135804" y="2955877"/>
+            <a:ext cx="8225329" cy="2554545"/>
+          </a:xfrm>
+          <a:prstGeom prst="rect">
+            <a:avLst/>
+          </a:prstGeom>
+          <a:noFill/>
+        </p:spPr>
+        <p:txBody>
+          <a:bodyPr wrap="none" rtlCol="0">
+            <a:spAutoFit/>
+          </a:bodyPr>
+          <a:lstStyle/>
+          <a:p>
+            <a:r>
+              <a:rPr lang="en-US" altLang="ko-KR" sz="2000" b="0" dirty="0">
+                <a:solidFill>
+                  <a:srgbClr val="569CD6"/>
+                </a:solidFill>
+                <a:effectLst/>
+                <a:highlight>
+                  <a:srgbClr val="000000"/>
+                </a:highlight>
+                <a:latin typeface="Consolas" panose="020B0609020204030204" pitchFamily="49" charset="0"/>
+              </a:rPr>
+              <a:t>static</a:t>
+            </a:r>
+            <a:r>
+              <a:rPr lang="en-US" altLang="ko-KR" sz="2000" b="0" dirty="0">
+                <a:solidFill>
+                  <a:srgbClr val="D4D4D4"/>
+                </a:solidFill>
+                <a:effectLst/>
+                <a:highlight>
+                  <a:srgbClr val="000000"/>
+                </a:highlight>
+                <a:latin typeface="Consolas" panose="020B0609020204030204" pitchFamily="49" charset="0"/>
+              </a:rPr>
+              <a:t> </a:t>
+            </a:r>
+            <a:r>
+              <a:rPr lang="en-US" altLang="ko-KR" sz="2000" b="0" dirty="0">
+                <a:solidFill>
+                  <a:srgbClr val="4EC9B0"/>
+                </a:solidFill>
+                <a:effectLst/>
+                <a:highlight>
+                  <a:srgbClr val="000000"/>
+                </a:highlight>
+                <a:latin typeface="Consolas" panose="020B0609020204030204" pitchFamily="49" charset="0"/>
+              </a:rPr>
+              <a:t>void</a:t>
+            </a:r>
+            <a:r>
+              <a:rPr lang="en-US" altLang="ko-KR" sz="2000" b="0" dirty="0">
+                <a:solidFill>
+                  <a:srgbClr val="D4D4D4"/>
+                </a:solidFill>
+                <a:effectLst/>
+                <a:highlight>
+                  <a:srgbClr val="000000"/>
+                </a:highlight>
+                <a:latin typeface="Consolas" panose="020B0609020204030204" pitchFamily="49" charset="0"/>
+              </a:rPr>
+              <a:t> </a:t>
+            </a:r>
+            <a:r>
+              <a:rPr lang="en-US" altLang="ko-KR" sz="2000" b="0" dirty="0">
+                <a:solidFill>
+                  <a:srgbClr val="DCDCAA"/>
+                </a:solidFill>
+                <a:effectLst/>
+                <a:highlight>
+                  <a:srgbClr val="000000"/>
+                </a:highlight>
+                <a:latin typeface="Consolas" panose="020B0609020204030204" pitchFamily="49" charset="0"/>
+              </a:rPr>
+              <a:t>dangerous</a:t>
+            </a:r>
+            <a:r>
+              <a:rPr lang="en-US" altLang="ko-KR" sz="2000" b="0" dirty="0">
+                <a:solidFill>
+                  <a:srgbClr val="D4D4D4"/>
+                </a:solidFill>
+                <a:effectLst/>
+                <a:highlight>
+                  <a:srgbClr val="000000"/>
+                </a:highlight>
+                <a:latin typeface="Consolas" panose="020B0609020204030204" pitchFamily="49" charset="0"/>
+              </a:rPr>
+              <a:t>(</a:t>
+            </a:r>
+            <a:r>
+              <a:rPr lang="en-US" altLang="ko-KR" sz="2000" b="0" dirty="0">
+                <a:solidFill>
+                  <a:srgbClr val="4EC9B0"/>
+                </a:solidFill>
+                <a:effectLst/>
+                <a:highlight>
+                  <a:srgbClr val="000000"/>
+                </a:highlight>
+                <a:latin typeface="Consolas" panose="020B0609020204030204" pitchFamily="49" charset="0"/>
+              </a:rPr>
+              <a:t>List</a:t>
+            </a:r>
+            <a:r>
+              <a:rPr lang="en-US" altLang="ko-KR" sz="2000" b="0" dirty="0">
+                <a:solidFill>
+                  <a:srgbClr val="D4D4D4"/>
+                </a:solidFill>
+                <a:effectLst/>
+                <a:highlight>
+                  <a:srgbClr val="000000"/>
+                </a:highlight>
+                <a:latin typeface="Consolas" panose="020B0609020204030204" pitchFamily="49" charset="0"/>
+              </a:rPr>
+              <a:t>&lt;String&gt;... </a:t>
+            </a:r>
+            <a:r>
+              <a:rPr lang="en-US" altLang="ko-KR" sz="2000" b="0" dirty="0" err="1">
+                <a:solidFill>
+                  <a:srgbClr val="9CDCFE"/>
+                </a:solidFill>
+                <a:effectLst/>
+                <a:highlight>
+                  <a:srgbClr val="000000"/>
+                </a:highlight>
+                <a:latin typeface="Consolas" panose="020B0609020204030204" pitchFamily="49" charset="0"/>
+              </a:rPr>
+              <a:t>stringLists</a:t>
+            </a:r>
+            <a:r>
+              <a:rPr lang="en-US" altLang="ko-KR" sz="2000" b="0" dirty="0">
+                <a:solidFill>
+                  <a:srgbClr val="D4D4D4"/>
+                </a:solidFill>
+                <a:effectLst/>
+                <a:highlight>
+                  <a:srgbClr val="000000"/>
+                </a:highlight>
+                <a:latin typeface="Consolas" panose="020B0609020204030204" pitchFamily="49" charset="0"/>
+              </a:rPr>
+              <a:t>) {</a:t>
+            </a:r>
+            <a:endParaRPr lang="en-US" altLang="ko-KR" sz="2000" b="0" dirty="0">
+              <a:solidFill>
+                <a:srgbClr val="CCCCCC"/>
+              </a:solidFill>
+              <a:effectLst/>
+              <a:highlight>
+                <a:srgbClr val="000000"/>
+              </a:highlight>
+              <a:latin typeface="Consolas" panose="020B0609020204030204" pitchFamily="49" charset="0"/>
+            </a:endParaRPr>
+          </a:p>
+          <a:p>
+            <a:r>
+              <a:rPr lang="en-US" altLang="ko-KR" sz="2000" b="0" dirty="0">
+                <a:solidFill>
+                  <a:srgbClr val="D4D4D4"/>
+                </a:solidFill>
+                <a:effectLst/>
+                <a:highlight>
+                  <a:srgbClr val="000000"/>
+                </a:highlight>
+                <a:latin typeface="Consolas" panose="020B0609020204030204" pitchFamily="49" charset="0"/>
+              </a:rPr>
+              <a:t>  </a:t>
+            </a:r>
+            <a:r>
+              <a:rPr lang="en-US" altLang="ko-KR" sz="2000" b="0" dirty="0">
+                <a:solidFill>
+                  <a:srgbClr val="4EC9B0"/>
+                </a:solidFill>
+                <a:effectLst/>
+                <a:highlight>
+                  <a:srgbClr val="000000"/>
+                </a:highlight>
+                <a:latin typeface="Consolas" panose="020B0609020204030204" pitchFamily="49" charset="0"/>
+              </a:rPr>
+              <a:t>List</a:t>
+            </a:r>
+            <a:r>
+              <a:rPr lang="en-US" altLang="ko-KR" sz="2000" b="0" dirty="0">
+                <a:solidFill>
+                  <a:srgbClr val="D4D4D4"/>
+                </a:solidFill>
+                <a:effectLst/>
+                <a:highlight>
+                  <a:srgbClr val="000000"/>
+                </a:highlight>
+                <a:latin typeface="Consolas" panose="020B0609020204030204" pitchFamily="49" charset="0"/>
+              </a:rPr>
+              <a:t>&lt;</a:t>
+            </a:r>
+            <a:r>
+              <a:rPr lang="en-US" altLang="ko-KR" sz="2000" b="0" dirty="0">
+                <a:solidFill>
+                  <a:srgbClr val="4EC9B0"/>
+                </a:solidFill>
+                <a:effectLst/>
+                <a:highlight>
+                  <a:srgbClr val="000000"/>
+                </a:highlight>
+                <a:latin typeface="Consolas" panose="020B0609020204030204" pitchFamily="49" charset="0"/>
+              </a:rPr>
+              <a:t>Integer</a:t>
+            </a:r>
+            <a:r>
+              <a:rPr lang="en-US" altLang="ko-KR" sz="2000" b="0" dirty="0">
+                <a:solidFill>
+                  <a:srgbClr val="D4D4D4"/>
+                </a:solidFill>
+                <a:effectLst/>
+                <a:highlight>
+                  <a:srgbClr val="000000"/>
+                </a:highlight>
+                <a:latin typeface="Consolas" panose="020B0609020204030204" pitchFamily="49" charset="0"/>
+              </a:rPr>
+              <a:t>&gt; </a:t>
+            </a:r>
+            <a:r>
+              <a:rPr lang="en-US" altLang="ko-KR" sz="2000" b="0" dirty="0" err="1">
+                <a:solidFill>
+                  <a:srgbClr val="9CDCFE"/>
+                </a:solidFill>
+                <a:effectLst/>
+                <a:highlight>
+                  <a:srgbClr val="000000"/>
+                </a:highlight>
+                <a:latin typeface="Consolas" panose="020B0609020204030204" pitchFamily="49" charset="0"/>
+              </a:rPr>
+              <a:t>intList</a:t>
+            </a:r>
+            <a:r>
+              <a:rPr lang="en-US" altLang="ko-KR" sz="2000" b="0" dirty="0">
+                <a:solidFill>
+                  <a:srgbClr val="D4D4D4"/>
+                </a:solidFill>
+                <a:effectLst/>
+                <a:highlight>
+                  <a:srgbClr val="000000"/>
+                </a:highlight>
+                <a:latin typeface="Consolas" panose="020B0609020204030204" pitchFamily="49" charset="0"/>
+              </a:rPr>
+              <a:t> = </a:t>
+            </a:r>
+            <a:r>
+              <a:rPr lang="en-US" altLang="ko-KR" sz="2000" b="0" dirty="0" err="1">
+                <a:solidFill>
+                  <a:srgbClr val="9CDCFE"/>
+                </a:solidFill>
+                <a:effectLst/>
+                <a:highlight>
+                  <a:srgbClr val="000000"/>
+                </a:highlight>
+                <a:latin typeface="Consolas" panose="020B0609020204030204" pitchFamily="49" charset="0"/>
+              </a:rPr>
+              <a:t>List</a:t>
+            </a:r>
+            <a:r>
+              <a:rPr lang="en-US" altLang="ko-KR" sz="2000" b="0" dirty="0" err="1">
+                <a:solidFill>
+                  <a:srgbClr val="D4D4D4"/>
+                </a:solidFill>
+                <a:effectLst/>
+                <a:highlight>
+                  <a:srgbClr val="000000"/>
+                </a:highlight>
+                <a:latin typeface="Consolas" panose="020B0609020204030204" pitchFamily="49" charset="0"/>
+              </a:rPr>
+              <a:t>.</a:t>
+            </a:r>
+            <a:r>
+              <a:rPr lang="en-US" altLang="ko-KR" sz="2000" b="0" dirty="0" err="1">
+                <a:solidFill>
+                  <a:srgbClr val="DCDCAA"/>
+                </a:solidFill>
+                <a:effectLst/>
+                <a:highlight>
+                  <a:srgbClr val="000000"/>
+                </a:highlight>
+                <a:latin typeface="Consolas" panose="020B0609020204030204" pitchFamily="49" charset="0"/>
+              </a:rPr>
+              <a:t>of</a:t>
+            </a:r>
+            <a:r>
+              <a:rPr lang="en-US" altLang="ko-KR" sz="2000" b="0" dirty="0">
+                <a:solidFill>
+                  <a:srgbClr val="D4D4D4"/>
+                </a:solidFill>
+                <a:effectLst/>
+                <a:highlight>
+                  <a:srgbClr val="000000"/>
+                </a:highlight>
+                <a:latin typeface="Consolas" panose="020B0609020204030204" pitchFamily="49" charset="0"/>
+              </a:rPr>
+              <a:t>(</a:t>
+            </a:r>
+            <a:r>
+              <a:rPr lang="en-US" altLang="ko-KR" sz="2000" b="0" dirty="0">
+                <a:solidFill>
+                  <a:srgbClr val="B5CEA8"/>
+                </a:solidFill>
+                <a:effectLst/>
+                <a:highlight>
+                  <a:srgbClr val="000000"/>
+                </a:highlight>
+                <a:latin typeface="Consolas" panose="020B0609020204030204" pitchFamily="49" charset="0"/>
+              </a:rPr>
+              <a:t>42</a:t>
+            </a:r>
+            <a:r>
+              <a:rPr lang="en-US" altLang="ko-KR" sz="2000" b="0" dirty="0">
+                <a:solidFill>
+                  <a:srgbClr val="D4D4D4"/>
+                </a:solidFill>
+                <a:effectLst/>
+                <a:highlight>
+                  <a:srgbClr val="000000"/>
+                </a:highlight>
+                <a:latin typeface="Consolas" panose="020B0609020204030204" pitchFamily="49" charset="0"/>
+              </a:rPr>
+              <a:t>);</a:t>
+            </a:r>
+            <a:endParaRPr lang="en-US" altLang="ko-KR" sz="2000" b="0" dirty="0">
+              <a:solidFill>
+                <a:srgbClr val="CCCCCC"/>
+              </a:solidFill>
+              <a:effectLst/>
+              <a:highlight>
+                <a:srgbClr val="000000"/>
+              </a:highlight>
+              <a:latin typeface="Consolas" panose="020B0609020204030204" pitchFamily="49" charset="0"/>
+            </a:endParaRPr>
+          </a:p>
+          <a:p>
+            <a:r>
+              <a:rPr lang="en-US" altLang="ko-KR" sz="2000" b="0" dirty="0">
+                <a:solidFill>
+                  <a:srgbClr val="D4D4D4"/>
+                </a:solidFill>
+                <a:effectLst/>
+                <a:highlight>
+                  <a:srgbClr val="000000"/>
+                </a:highlight>
+                <a:latin typeface="Consolas" panose="020B0609020204030204" pitchFamily="49" charset="0"/>
+              </a:rPr>
+              <a:t>  </a:t>
+            </a:r>
+            <a:r>
+              <a:rPr lang="en-US" altLang="ko-KR" sz="2000" b="0" dirty="0">
+                <a:solidFill>
+                  <a:srgbClr val="4EC9B0"/>
+                </a:solidFill>
+                <a:effectLst/>
+                <a:highlight>
+                  <a:srgbClr val="000000"/>
+                </a:highlight>
+                <a:latin typeface="Consolas" panose="020B0609020204030204" pitchFamily="49" charset="0"/>
+              </a:rPr>
+              <a:t>Object</a:t>
+            </a:r>
+            <a:r>
+              <a:rPr lang="en-US" altLang="ko-KR" sz="2000" b="0" dirty="0">
+                <a:solidFill>
+                  <a:srgbClr val="D4D4D4"/>
+                </a:solidFill>
+                <a:effectLst/>
+                <a:highlight>
+                  <a:srgbClr val="000000"/>
+                </a:highlight>
+                <a:latin typeface="Consolas" panose="020B0609020204030204" pitchFamily="49" charset="0"/>
+              </a:rPr>
+              <a:t>[] </a:t>
+            </a:r>
+            <a:r>
+              <a:rPr lang="en-US" altLang="ko-KR" sz="2000" b="0" dirty="0">
+                <a:solidFill>
+                  <a:srgbClr val="9CDCFE"/>
+                </a:solidFill>
+                <a:effectLst/>
+                <a:highlight>
+                  <a:srgbClr val="000000"/>
+                </a:highlight>
+                <a:latin typeface="Consolas" panose="020B0609020204030204" pitchFamily="49" charset="0"/>
+              </a:rPr>
+              <a:t>objects</a:t>
+            </a:r>
+            <a:r>
+              <a:rPr lang="en-US" altLang="ko-KR" sz="2000" b="0" dirty="0">
+                <a:solidFill>
+                  <a:srgbClr val="D4D4D4"/>
+                </a:solidFill>
+                <a:effectLst/>
+                <a:highlight>
+                  <a:srgbClr val="000000"/>
+                </a:highlight>
+                <a:latin typeface="Consolas" panose="020B0609020204030204" pitchFamily="49" charset="0"/>
+              </a:rPr>
+              <a:t> = </a:t>
+            </a:r>
+            <a:r>
+              <a:rPr lang="en-US" altLang="ko-KR" sz="2000" b="0" dirty="0" err="1">
+                <a:solidFill>
+                  <a:srgbClr val="D4D4D4"/>
+                </a:solidFill>
+                <a:effectLst/>
+                <a:highlight>
+                  <a:srgbClr val="000000"/>
+                </a:highlight>
+                <a:latin typeface="Consolas" panose="020B0609020204030204" pitchFamily="49" charset="0"/>
+              </a:rPr>
+              <a:t>stringLists</a:t>
+            </a:r>
+            <a:r>
+              <a:rPr lang="en-US" altLang="ko-KR" sz="2000" b="0" dirty="0">
+                <a:solidFill>
+                  <a:srgbClr val="D4D4D4"/>
+                </a:solidFill>
+                <a:effectLst/>
+                <a:highlight>
+                  <a:srgbClr val="000000"/>
+                </a:highlight>
+                <a:latin typeface="Consolas" panose="020B0609020204030204" pitchFamily="49" charset="0"/>
+              </a:rPr>
+              <a:t>;</a:t>
+            </a:r>
+            <a:endParaRPr lang="en-US" altLang="ko-KR" sz="2000" b="0" dirty="0">
+              <a:solidFill>
+                <a:srgbClr val="CCCCCC"/>
+              </a:solidFill>
+              <a:effectLst/>
+              <a:highlight>
+                <a:srgbClr val="000000"/>
+              </a:highlight>
+              <a:latin typeface="Consolas" panose="020B0609020204030204" pitchFamily="49" charset="0"/>
+            </a:endParaRPr>
+          </a:p>
+          <a:p>
+            <a:r>
+              <a:rPr lang="en-US" altLang="ko-KR" sz="2000" b="0" dirty="0">
+                <a:solidFill>
+                  <a:srgbClr val="D4D4D4"/>
+                </a:solidFill>
+                <a:effectLst/>
+                <a:highlight>
+                  <a:srgbClr val="000000"/>
+                </a:highlight>
+                <a:latin typeface="Consolas" panose="020B0609020204030204" pitchFamily="49" charset="0"/>
+              </a:rPr>
+              <a:t>  </a:t>
+            </a:r>
+            <a:endParaRPr lang="en-US" altLang="ko-KR" sz="2000" b="0" dirty="0">
+              <a:solidFill>
+                <a:srgbClr val="CCCCCC"/>
+              </a:solidFill>
+              <a:effectLst/>
+              <a:highlight>
+                <a:srgbClr val="000000"/>
+              </a:highlight>
+              <a:latin typeface="Consolas" panose="020B0609020204030204" pitchFamily="49" charset="0"/>
+            </a:endParaRPr>
+          </a:p>
+          <a:p>
+            <a:r>
+              <a:rPr lang="en-US" altLang="ko-KR" sz="2000" b="0" dirty="0">
+                <a:solidFill>
+                  <a:srgbClr val="D4D4D4"/>
+                </a:solidFill>
+                <a:effectLst/>
+                <a:highlight>
+                  <a:srgbClr val="000000"/>
+                </a:highlight>
+                <a:latin typeface="Consolas" panose="020B0609020204030204" pitchFamily="49" charset="0"/>
+              </a:rPr>
+              <a:t>  objects[</a:t>
+            </a:r>
+            <a:r>
+              <a:rPr lang="en-US" altLang="ko-KR" sz="2000" b="0" dirty="0">
+                <a:solidFill>
+                  <a:srgbClr val="B5CEA8"/>
+                </a:solidFill>
+                <a:effectLst/>
+                <a:highlight>
+                  <a:srgbClr val="000000"/>
+                </a:highlight>
+                <a:latin typeface="Consolas" panose="020B0609020204030204" pitchFamily="49" charset="0"/>
+              </a:rPr>
+              <a:t>0</a:t>
+            </a:r>
+            <a:r>
+              <a:rPr lang="en-US" altLang="ko-KR" sz="2000" b="0" dirty="0">
+                <a:solidFill>
+                  <a:srgbClr val="D4D4D4"/>
+                </a:solidFill>
+                <a:effectLst/>
+                <a:highlight>
+                  <a:srgbClr val="000000"/>
+                </a:highlight>
+                <a:latin typeface="Consolas" panose="020B0609020204030204" pitchFamily="49" charset="0"/>
+              </a:rPr>
+              <a:t>] = </a:t>
+            </a:r>
+            <a:r>
+              <a:rPr lang="en-US" altLang="ko-KR" sz="2000" b="0" dirty="0" err="1">
+                <a:solidFill>
+                  <a:srgbClr val="D4D4D4"/>
+                </a:solidFill>
+                <a:effectLst/>
+                <a:highlight>
+                  <a:srgbClr val="000000"/>
+                </a:highlight>
+                <a:latin typeface="Consolas" panose="020B0609020204030204" pitchFamily="49" charset="0"/>
+              </a:rPr>
+              <a:t>intList</a:t>
+            </a:r>
+            <a:r>
+              <a:rPr lang="en-US" altLang="ko-KR" sz="2000" b="0" dirty="0">
+                <a:solidFill>
+                  <a:srgbClr val="D4D4D4"/>
+                </a:solidFill>
+                <a:effectLst/>
+                <a:highlight>
+                  <a:srgbClr val="000000"/>
+                </a:highlight>
+                <a:latin typeface="Consolas" panose="020B0609020204030204" pitchFamily="49" charset="0"/>
+              </a:rPr>
+              <a:t>; </a:t>
+            </a:r>
+            <a:r>
+              <a:rPr lang="en-US" altLang="ko-KR" sz="2000" b="0" dirty="0">
+                <a:solidFill>
+                  <a:srgbClr val="6A9955"/>
+                </a:solidFill>
+                <a:effectLst/>
+                <a:highlight>
+                  <a:srgbClr val="000000"/>
+                </a:highlight>
+                <a:latin typeface="Consolas" panose="020B0609020204030204" pitchFamily="49" charset="0"/>
+              </a:rPr>
+              <a:t>// Heap pollution</a:t>
+            </a:r>
+            <a:endParaRPr lang="en-US" altLang="ko-KR" sz="2000" b="0" dirty="0">
+              <a:solidFill>
+                <a:srgbClr val="CCCCCC"/>
+              </a:solidFill>
+              <a:effectLst/>
+              <a:highlight>
+                <a:srgbClr val="000000"/>
+              </a:highlight>
+              <a:latin typeface="Consolas" panose="020B0609020204030204" pitchFamily="49" charset="0"/>
+            </a:endParaRPr>
+          </a:p>
+          <a:p>
+            <a:r>
+              <a:rPr lang="en-US" altLang="ko-KR" sz="2000" b="0" dirty="0">
+                <a:solidFill>
+                  <a:srgbClr val="D4D4D4"/>
+                </a:solidFill>
+                <a:effectLst/>
+                <a:highlight>
+                  <a:srgbClr val="000000"/>
+                </a:highlight>
+                <a:latin typeface="Consolas" panose="020B0609020204030204" pitchFamily="49" charset="0"/>
+              </a:rPr>
+              <a:t>  </a:t>
+            </a:r>
+            <a:endParaRPr lang="en-US" altLang="ko-KR" sz="2000" b="0" dirty="0">
+              <a:solidFill>
+                <a:srgbClr val="CCCCCC"/>
+              </a:solidFill>
+              <a:effectLst/>
+              <a:highlight>
+                <a:srgbClr val="000000"/>
+              </a:highlight>
+              <a:latin typeface="Consolas" panose="020B0609020204030204" pitchFamily="49" charset="0"/>
+            </a:endParaRPr>
+          </a:p>
+          <a:p>
+            <a:r>
+              <a:rPr lang="en-US" altLang="ko-KR" sz="2000" b="0" dirty="0">
+                <a:solidFill>
+                  <a:srgbClr val="D4D4D4"/>
+                </a:solidFill>
+                <a:effectLst/>
+                <a:highlight>
+                  <a:srgbClr val="000000"/>
+                </a:highlight>
+                <a:latin typeface="Consolas" panose="020B0609020204030204" pitchFamily="49" charset="0"/>
+              </a:rPr>
+              <a:t>  </a:t>
+            </a:r>
+            <a:r>
+              <a:rPr lang="en-US" altLang="ko-KR" sz="2000" b="0" dirty="0">
+                <a:solidFill>
+                  <a:srgbClr val="4EC9B0"/>
+                </a:solidFill>
+                <a:effectLst/>
+                <a:highlight>
+                  <a:srgbClr val="000000"/>
+                </a:highlight>
+                <a:latin typeface="Consolas" panose="020B0609020204030204" pitchFamily="49" charset="0"/>
+              </a:rPr>
+              <a:t>String</a:t>
+            </a:r>
+            <a:r>
+              <a:rPr lang="en-US" altLang="ko-KR" sz="2000" b="0" dirty="0">
+                <a:solidFill>
+                  <a:srgbClr val="D4D4D4"/>
+                </a:solidFill>
+                <a:effectLst/>
+                <a:highlight>
+                  <a:srgbClr val="000000"/>
+                </a:highlight>
+                <a:latin typeface="Consolas" panose="020B0609020204030204" pitchFamily="49" charset="0"/>
+              </a:rPr>
+              <a:t> </a:t>
+            </a:r>
+            <a:r>
+              <a:rPr lang="en-US" altLang="ko-KR" sz="2000" b="0" dirty="0">
+                <a:solidFill>
+                  <a:srgbClr val="9CDCFE"/>
+                </a:solidFill>
+                <a:effectLst/>
+                <a:highlight>
+                  <a:srgbClr val="000000"/>
+                </a:highlight>
+                <a:latin typeface="Consolas" panose="020B0609020204030204" pitchFamily="49" charset="0"/>
+              </a:rPr>
+              <a:t>s</a:t>
+            </a:r>
+            <a:r>
+              <a:rPr lang="en-US" altLang="ko-KR" sz="2000" b="0" dirty="0">
+                <a:solidFill>
+                  <a:srgbClr val="D4D4D4"/>
+                </a:solidFill>
+                <a:effectLst/>
+                <a:highlight>
+                  <a:srgbClr val="000000"/>
+                </a:highlight>
+                <a:latin typeface="Consolas" panose="020B0609020204030204" pitchFamily="49" charset="0"/>
+              </a:rPr>
+              <a:t> = </a:t>
+            </a:r>
+            <a:r>
+              <a:rPr lang="en-US" altLang="ko-KR" sz="2000" b="0" dirty="0" err="1">
+                <a:solidFill>
+                  <a:srgbClr val="D4D4D4"/>
+                </a:solidFill>
+                <a:effectLst/>
+                <a:highlight>
+                  <a:srgbClr val="000000"/>
+                </a:highlight>
+                <a:latin typeface="Consolas" panose="020B0609020204030204" pitchFamily="49" charset="0"/>
+              </a:rPr>
+              <a:t>stringLists</a:t>
+            </a:r>
+            <a:r>
+              <a:rPr lang="en-US" altLang="ko-KR" sz="2000" b="0" dirty="0">
+                <a:solidFill>
+                  <a:srgbClr val="D4D4D4"/>
+                </a:solidFill>
+                <a:effectLst/>
+                <a:highlight>
+                  <a:srgbClr val="000000"/>
+                </a:highlight>
+                <a:latin typeface="Consolas" panose="020B0609020204030204" pitchFamily="49" charset="0"/>
+              </a:rPr>
+              <a:t>[</a:t>
+            </a:r>
+            <a:r>
+              <a:rPr lang="en-US" altLang="ko-KR" sz="2000" b="0" dirty="0">
+                <a:solidFill>
+                  <a:srgbClr val="B5CEA8"/>
+                </a:solidFill>
+                <a:effectLst/>
+                <a:highlight>
+                  <a:srgbClr val="000000"/>
+                </a:highlight>
+                <a:latin typeface="Consolas" panose="020B0609020204030204" pitchFamily="49" charset="0"/>
+              </a:rPr>
+              <a:t>0</a:t>
+            </a:r>
+            <a:r>
+              <a:rPr lang="en-US" altLang="ko-KR" sz="2000" b="0" dirty="0">
+                <a:solidFill>
+                  <a:srgbClr val="D4D4D4"/>
+                </a:solidFill>
+                <a:effectLst/>
+                <a:highlight>
+                  <a:srgbClr val="000000"/>
+                </a:highlight>
+                <a:latin typeface="Consolas" panose="020B0609020204030204" pitchFamily="49" charset="0"/>
+              </a:rPr>
+              <a:t>].</a:t>
+            </a:r>
+            <a:r>
+              <a:rPr lang="en-US" altLang="ko-KR" sz="2000" b="0" dirty="0">
+                <a:solidFill>
+                  <a:srgbClr val="DCDCAA"/>
+                </a:solidFill>
+                <a:effectLst/>
+                <a:highlight>
+                  <a:srgbClr val="000000"/>
+                </a:highlight>
+                <a:latin typeface="Consolas" panose="020B0609020204030204" pitchFamily="49" charset="0"/>
+              </a:rPr>
+              <a:t>get</a:t>
+            </a:r>
+            <a:r>
+              <a:rPr lang="en-US" altLang="ko-KR" sz="2000" b="0" dirty="0">
+                <a:solidFill>
+                  <a:srgbClr val="D4D4D4"/>
+                </a:solidFill>
+                <a:effectLst/>
+                <a:highlight>
+                  <a:srgbClr val="000000"/>
+                </a:highlight>
+                <a:latin typeface="Consolas" panose="020B0609020204030204" pitchFamily="49" charset="0"/>
+              </a:rPr>
+              <a:t>(</a:t>
+            </a:r>
+            <a:r>
+              <a:rPr lang="en-US" altLang="ko-KR" sz="2000" b="0" dirty="0">
+                <a:solidFill>
+                  <a:srgbClr val="B5CEA8"/>
+                </a:solidFill>
+                <a:effectLst/>
+                <a:highlight>
+                  <a:srgbClr val="000000"/>
+                </a:highlight>
+                <a:latin typeface="Consolas" panose="020B0609020204030204" pitchFamily="49" charset="0"/>
+              </a:rPr>
+              <a:t>0</a:t>
+            </a:r>
+            <a:r>
+              <a:rPr lang="en-US" altLang="ko-KR" sz="2000" b="0" dirty="0">
+                <a:solidFill>
+                  <a:srgbClr val="D4D4D4"/>
+                </a:solidFill>
+                <a:effectLst/>
+                <a:highlight>
+                  <a:srgbClr val="000000"/>
+                </a:highlight>
+                <a:latin typeface="Consolas" panose="020B0609020204030204" pitchFamily="49" charset="0"/>
+              </a:rPr>
+              <a:t>); </a:t>
+            </a:r>
+            <a:r>
+              <a:rPr lang="en-US" altLang="ko-KR" sz="2000" b="0" dirty="0">
+                <a:solidFill>
+                  <a:srgbClr val="6A9955"/>
+                </a:solidFill>
+                <a:effectLst/>
+                <a:highlight>
+                  <a:srgbClr val="000000"/>
+                </a:highlight>
+                <a:latin typeface="Consolas" panose="020B0609020204030204" pitchFamily="49" charset="0"/>
+              </a:rPr>
+              <a:t>// </a:t>
+            </a:r>
+            <a:r>
+              <a:rPr lang="en-US" altLang="ko-KR" sz="2000" b="0" dirty="0" err="1">
+                <a:solidFill>
+                  <a:srgbClr val="6A9955"/>
+                </a:solidFill>
+                <a:effectLst/>
+                <a:highlight>
+                  <a:srgbClr val="000000"/>
+                </a:highlight>
+                <a:latin typeface="Consolas" panose="020B0609020204030204" pitchFamily="49" charset="0"/>
+              </a:rPr>
+              <a:t>ClassCastException</a:t>
+            </a:r>
+            <a:endParaRPr lang="en-US" altLang="ko-KR" sz="2000" b="0" dirty="0">
+              <a:solidFill>
+                <a:srgbClr val="CCCCCC"/>
+              </a:solidFill>
+              <a:effectLst/>
+              <a:highlight>
+                <a:srgbClr val="000000"/>
+              </a:highlight>
+              <a:latin typeface="Consolas" panose="020B0609020204030204" pitchFamily="49" charset="0"/>
+            </a:endParaRPr>
+          </a:p>
+          <a:p>
+            <a:r>
+              <a:rPr lang="en-US" altLang="ko-KR" sz="2000" b="0" dirty="0">
+                <a:solidFill>
+                  <a:srgbClr val="D4D4D4"/>
+                </a:solidFill>
+                <a:effectLst/>
+                <a:highlight>
+                  <a:srgbClr val="000000"/>
+                </a:highlight>
+                <a:latin typeface="Consolas" panose="020B0609020204030204" pitchFamily="49" charset="0"/>
+              </a:rPr>
+              <a:t>}</a:t>
+            </a:r>
+            <a:endParaRPr lang="en-US" altLang="ko-KR" sz="2000" b="0" dirty="0">
+              <a:solidFill>
+                <a:srgbClr val="CCCCCC"/>
+              </a:solidFill>
+              <a:effectLst/>
+              <a:highlight>
+                <a:srgbClr val="000000"/>
+              </a:highlight>
+              <a:latin typeface="Consolas" panose="020B0609020204030204" pitchFamily="49" charset="0"/>
+            </a:endParaRPr>
+          </a:p>
+        </p:txBody>
+      </p:sp>
+      <p:sp>
+        <p:nvSpPr>
+          <p:cNvPr id="5" name="TextBox 4">
+            <a:extLst>
+              <a:ext uri="{FF2B5EF4-FFF2-40B4-BE49-F238E27FC236}">
+                <a16:creationId xmlns:a16="http://schemas.microsoft.com/office/drawing/2014/main" id="{FB44AB19-F77D-22EE-F9EC-8C92FBF89AA5}"/>
+              </a:ext>
+            </a:extLst>
+          </p:cNvPr>
+          <p:cNvSpPr txBox="1"/>
+          <p:nvPr/>
+        </p:nvSpPr>
+        <p:spPr>
+          <a:xfrm>
+            <a:off x="0" y="1347578"/>
+            <a:ext cx="9848081" cy="369332"/>
+          </a:xfrm>
+          <a:prstGeom prst="rect">
+            <a:avLst/>
+          </a:prstGeom>
+          <a:noFill/>
+        </p:spPr>
+        <p:txBody>
+          <a:bodyPr wrap="none" rtlCol="0">
+            <a:spAutoFit/>
+          </a:bodyPr>
+          <a:lstStyle/>
+          <a:p>
+            <a:r>
+              <a:rPr lang="ko-KR" altLang="en-US" dirty="0"/>
+              <a:t>배열과 리스트를 </a:t>
+            </a:r>
+            <a:r>
+              <a:rPr lang="ko-KR" altLang="en-US" dirty="0" err="1"/>
+              <a:t>함꼐</a:t>
+            </a:r>
+            <a:r>
+              <a:rPr lang="ko-KR" altLang="en-US" dirty="0"/>
+              <a:t> 사용했을 때 </a:t>
+            </a:r>
+            <a:r>
+              <a:rPr lang="ko-KR" altLang="en-US" dirty="0" err="1"/>
+              <a:t>처럼</a:t>
+            </a:r>
+            <a:r>
+              <a:rPr lang="en-US" altLang="ko-KR" dirty="0"/>
+              <a:t>, String </a:t>
+            </a:r>
+            <a:r>
+              <a:rPr lang="ko-KR" altLang="en-US" dirty="0"/>
+              <a:t>자리에 </a:t>
+            </a:r>
+            <a:r>
+              <a:rPr lang="en-US" altLang="ko-KR" dirty="0"/>
+              <a:t>List&lt;Integer&gt;</a:t>
+            </a:r>
+            <a:r>
+              <a:rPr lang="ko-KR" altLang="en-US" dirty="0"/>
+              <a:t>가 들어가는 모습을 볼 수 있다</a:t>
+            </a:r>
+            <a:endParaRPr lang="en-US" altLang="ko-KR" dirty="0"/>
+          </a:p>
+        </p:txBody>
+      </p:sp>
+    </p:spTree>
+    <p:extLst>
+      <p:ext uri="{BB962C8B-B14F-4D97-AF65-F5344CB8AC3E}">
+        <p14:creationId xmlns:p14="http://schemas.microsoft.com/office/powerpoint/2010/main" val="3320166427"/>
+      </p:ext>
+    </p:extLst>
+  </p:cSld>
+  <p:clrMapOvr>
+    <a:masterClrMapping/>
+  </p:clrMapOvr>
+  <mc:AlternateContent xmlns:mc="http://schemas.openxmlformats.org/markup-compatibility/2006" xmlns:p159="http://schemas.microsoft.com/office/powerpoint/2015/09/main">
+    <mc:Choice Requires="p159">
+      <p:transition xmlns:p14="http://schemas.microsoft.com/office/powerpoint/2010/main" spd="slow" p14:dur="2000">
+        <p159:morph option="byObject"/>
+      </p:transition>
+    </mc:Choice>
+    <mc:Fallback xmlns="">
+      <p:transition spd="slow">
+        <p:fade/>
+      </p:transition>
+    </mc:Fallback>
+  </mc:AlternateContent>
+</p:sld>
+</file>
+
+<file path=ppt/slides/slide28.xml><?xml version="1.0" encoding="utf-8"?>
+<p:sld xmlns:a="http://schemas.openxmlformats.org/drawingml/2006/main" xmlns:r="http://schemas.openxmlformats.org/officeDocument/2006/relationships" xmlns:p="http://schemas.openxmlformats.org/presentationml/2006/main">
+  <p:cSld>
+    <p:spTree>
+      <p:nvGrpSpPr>
+        <p:cNvPr id="1" name=""/>
+        <p:cNvGrpSpPr/>
+        <p:nvPr/>
+      </p:nvGrpSpPr>
+      <p:grpSpPr>
+        <a:xfrm>
+          <a:off x="0" y="0"/>
+          <a:ext cx="0" cy="0"/>
+          <a:chOff x="0" y="0"/>
+          <a:chExt cx="0" cy="0"/>
+        </a:xfrm>
+      </p:grpSpPr>
+      <p:grpSp>
+        <p:nvGrpSpPr>
+          <p:cNvPr id="11" name="그룹 10">
+            <a:extLst>
+              <a:ext uri="{FF2B5EF4-FFF2-40B4-BE49-F238E27FC236}">
+                <a16:creationId xmlns:a16="http://schemas.microsoft.com/office/drawing/2014/main" id="{D2CC2F55-55D1-4701-9A7E-0CC41EF6B5BB}"/>
+              </a:ext>
+            </a:extLst>
+          </p:cNvPr>
+          <p:cNvGrpSpPr/>
+          <p:nvPr/>
+        </p:nvGrpSpPr>
+        <p:grpSpPr>
+          <a:xfrm>
+            <a:off x="181897" y="1489018"/>
+            <a:ext cx="11828206" cy="4040925"/>
+            <a:chOff x="1584226" y="2010598"/>
+            <a:chExt cx="9125148" cy="3170098"/>
+          </a:xfrm>
+        </p:grpSpPr>
+        <p:sp>
+          <p:nvSpPr>
+            <p:cNvPr id="12" name="TextBox 11">
+              <a:extLst>
+                <a:ext uri="{FF2B5EF4-FFF2-40B4-BE49-F238E27FC236}">
+                  <a16:creationId xmlns:a16="http://schemas.microsoft.com/office/drawing/2014/main" id="{8B9DD503-8FF2-47B9-BAF1-53A616869C9E}"/>
+                </a:ext>
+              </a:extLst>
+            </p:cNvPr>
+            <p:cNvSpPr txBox="1"/>
+            <p:nvPr/>
+          </p:nvSpPr>
+          <p:spPr>
+            <a:xfrm>
+              <a:off x="1584226" y="2010598"/>
+              <a:ext cx="2641589" cy="2215991"/>
+            </a:xfrm>
+            <a:prstGeom prst="rect">
+              <a:avLst/>
+            </a:prstGeom>
+            <a:noFill/>
+          </p:spPr>
+          <p:txBody>
+            <a:bodyPr wrap="square" rtlCol="0">
+              <a:spAutoFit/>
+            </a:bodyPr>
+            <a:lstStyle/>
+            <a:p>
+              <a:r>
+                <a:rPr lang="ko-KR" altLang="en-US" sz="13800" dirty="0">
+                  <a:solidFill>
+                    <a:schemeClr val="accent3"/>
+                  </a:solidFill>
+                </a:rPr>
+                <a:t> 「</a:t>
+              </a:r>
+            </a:p>
+          </p:txBody>
+        </p:sp>
+        <p:sp>
+          <p:nvSpPr>
+            <p:cNvPr id="13" name="TextBox 12">
+              <a:extLst>
+                <a:ext uri="{FF2B5EF4-FFF2-40B4-BE49-F238E27FC236}">
+                  <a16:creationId xmlns:a16="http://schemas.microsoft.com/office/drawing/2014/main" id="{C2380F3C-C948-4A36-B227-66125454CD3F}"/>
+                </a:ext>
+              </a:extLst>
+            </p:cNvPr>
+            <p:cNvSpPr txBox="1"/>
+            <p:nvPr/>
+          </p:nvSpPr>
+          <p:spPr>
+            <a:xfrm>
+              <a:off x="9410621" y="2964705"/>
+              <a:ext cx="1298753" cy="2215991"/>
+            </a:xfrm>
+            <a:prstGeom prst="rect">
+              <a:avLst/>
+            </a:prstGeom>
+            <a:noFill/>
+          </p:spPr>
+          <p:txBody>
+            <a:bodyPr wrap="square" rtlCol="0">
+              <a:spAutoFit/>
+            </a:bodyPr>
+            <a:lstStyle>
+              <a:defPPr>
+                <a:defRPr lang="ko-KR"/>
+              </a:defPPr>
+              <a:lvl1pPr>
+                <a:defRPr sz="13800">
+                  <a:solidFill>
+                    <a:srgbClr val="0194E7"/>
+                  </a:solidFill>
+                </a:defRPr>
+              </a:lvl1pPr>
+            </a:lstStyle>
+            <a:p>
+              <a:r>
+                <a:rPr lang="ko-KR" altLang="en-US" dirty="0">
+                  <a:solidFill>
+                    <a:schemeClr val="accent3"/>
+                  </a:solidFill>
+                </a:rPr>
+                <a:t>」 </a:t>
+              </a:r>
+            </a:p>
+          </p:txBody>
+        </p:sp>
+      </p:grpSp>
+      <p:sp>
+        <p:nvSpPr>
+          <p:cNvPr id="2" name="TextBox 1">
+            <a:extLst>
+              <a:ext uri="{FF2B5EF4-FFF2-40B4-BE49-F238E27FC236}">
+                <a16:creationId xmlns:a16="http://schemas.microsoft.com/office/drawing/2014/main" id="{0EEC8118-CE15-48B3-A58E-911AF86F634F}"/>
+              </a:ext>
+            </a:extLst>
+          </p:cNvPr>
+          <p:cNvSpPr txBox="1"/>
+          <p:nvPr/>
+        </p:nvSpPr>
+        <p:spPr>
+          <a:xfrm>
+            <a:off x="1189722" y="2052503"/>
+            <a:ext cx="9751595" cy="461665"/>
+          </a:xfrm>
+          <a:prstGeom prst="rect">
+            <a:avLst/>
+          </a:prstGeom>
+          <a:noFill/>
+        </p:spPr>
+        <p:txBody>
+          <a:bodyPr wrap="square" rtlCol="0">
+            <a:spAutoFit/>
+          </a:bodyPr>
+          <a:lstStyle/>
+          <a:p>
+            <a:pPr algn="ctr"/>
+            <a:r>
+              <a:rPr lang="ko-KR" altLang="en-US" sz="2400" dirty="0"/>
+              <a:t>경고만 하는 이유는</a:t>
+            </a:r>
+            <a:r>
+              <a:rPr lang="en-US" altLang="ko-KR" sz="2400" dirty="0"/>
+              <a:t>, </a:t>
+            </a:r>
+            <a:r>
+              <a:rPr lang="ko-KR" altLang="en-US" sz="2400" dirty="0"/>
+              <a:t>실무에서 유용하게 사용할 수 있기 때문이다</a:t>
+            </a:r>
+            <a:endParaRPr lang="en-US" altLang="ko-KR" sz="2400" dirty="0"/>
+          </a:p>
+        </p:txBody>
+      </p:sp>
+      <p:sp>
+        <p:nvSpPr>
+          <p:cNvPr id="4" name="TextBox 3">
+            <a:extLst>
+              <a:ext uri="{FF2B5EF4-FFF2-40B4-BE49-F238E27FC236}">
+                <a16:creationId xmlns:a16="http://schemas.microsoft.com/office/drawing/2014/main" id="{D69EF93C-A6D2-BA07-1988-75CEB8BADBB0}"/>
+              </a:ext>
+            </a:extLst>
+          </p:cNvPr>
+          <p:cNvSpPr txBox="1"/>
+          <p:nvPr/>
+        </p:nvSpPr>
+        <p:spPr>
+          <a:xfrm>
+            <a:off x="1611831" y="3136218"/>
+            <a:ext cx="9329486" cy="923330"/>
+          </a:xfrm>
+          <a:prstGeom prst="rect">
+            <a:avLst/>
+          </a:prstGeom>
+          <a:noFill/>
+        </p:spPr>
+        <p:txBody>
+          <a:bodyPr wrap="square" rtlCol="0">
+            <a:spAutoFit/>
+          </a:bodyPr>
+          <a:lstStyle/>
+          <a:p>
+            <a:pPr marL="342900" indent="-342900">
+              <a:buFont typeface="Arial" panose="020B0604020202020204" pitchFamily="34" charset="0"/>
+              <a:buChar char="•"/>
+            </a:pPr>
+            <a:r>
+              <a:rPr lang="en-US" altLang="ko-KR" dirty="0" err="1"/>
+              <a:t>Arrays.asList</a:t>
+            </a:r>
+            <a:r>
+              <a:rPr lang="en-US" altLang="ko-KR" dirty="0"/>
+              <a:t>(T... a), </a:t>
+            </a:r>
+            <a:r>
+              <a:rPr lang="en-US" altLang="ko-KR" dirty="0" err="1"/>
+              <a:t>Collections.addAll</a:t>
+            </a:r>
+            <a:r>
+              <a:rPr lang="en-US" altLang="ko-KR" dirty="0"/>
+              <a:t>(Collection&lt;? super T&gt; c, T... elements), </a:t>
+            </a:r>
+            <a:r>
+              <a:rPr lang="en-US" altLang="ko-KR" dirty="0" err="1"/>
+              <a:t>EnumSet.of</a:t>
+            </a:r>
+            <a:r>
+              <a:rPr lang="en-US" altLang="ko-KR" dirty="0"/>
+              <a:t>(E first, E... rest) </a:t>
+            </a:r>
+            <a:r>
+              <a:rPr lang="ko-KR" altLang="en-US" dirty="0"/>
+              <a:t>같은 것들처럼 자바에서 지원하기도 한다</a:t>
+            </a:r>
+            <a:endParaRPr lang="en-US" altLang="ko-KR" dirty="0"/>
+          </a:p>
+          <a:p>
+            <a:pPr marL="342900" indent="-342900">
+              <a:buFont typeface="Arial" panose="020B0604020202020204" pitchFamily="34" charset="0"/>
+              <a:buChar char="•"/>
+            </a:pPr>
+            <a:r>
+              <a:rPr lang="ko-KR" altLang="en-US" dirty="0"/>
+              <a:t>안전함을 확신하면 </a:t>
+            </a:r>
+            <a:r>
+              <a:rPr lang="en-US" altLang="ko-KR" dirty="0"/>
+              <a:t>@SafeVarargs </a:t>
+            </a:r>
+            <a:r>
+              <a:rPr lang="ko-KR" altLang="en-US" dirty="0" err="1"/>
+              <a:t>어노테이션으로</a:t>
+            </a:r>
+            <a:r>
+              <a:rPr lang="ko-KR" altLang="en-US" dirty="0"/>
+              <a:t> 경고를 제거해도 된다</a:t>
+            </a:r>
+            <a:r>
+              <a:rPr lang="en-US" altLang="ko-KR" dirty="0"/>
+              <a:t>.</a:t>
+            </a:r>
+          </a:p>
+        </p:txBody>
+      </p:sp>
+    </p:spTree>
+    <p:extLst>
+      <p:ext uri="{BB962C8B-B14F-4D97-AF65-F5344CB8AC3E}">
+        <p14:creationId xmlns:p14="http://schemas.microsoft.com/office/powerpoint/2010/main" val="538751708"/>
+      </p:ext>
+    </p:extLst>
+  </p:cSld>
+  <p:clrMapOvr>
+    <a:masterClrMapping/>
+  </p:clrMapOvr>
+  <mc:AlternateContent xmlns:mc="http://schemas.openxmlformats.org/markup-compatibility/2006" xmlns:p159="http://schemas.microsoft.com/office/powerpoint/2015/09/main">
+    <mc:Choice Requires="p159">
+      <p:transition xmlns:p14="http://schemas.microsoft.com/office/powerpoint/2010/main" spd="slow" p14:dur="2000">
+        <p159:morph option="byObject"/>
+      </p:transition>
+    </mc:Choice>
+    <mc:Fallback xmlns="">
+      <p:transition spd="slow">
+        <p:fade/>
+      </p:transition>
+    </mc:Fallback>
+  </mc:AlternateContent>
+</p:sld>
+</file>
+
+<file path=ppt/slides/slide29.xml><?xml version="1.0" encoding="utf-8"?>
+<p:sld xmlns:a="http://schemas.openxmlformats.org/drawingml/2006/main" xmlns:r="http://schemas.openxmlformats.org/officeDocument/2006/relationships" xmlns:p="http://schemas.openxmlformats.org/presentationml/2006/main">
+  <p:cSld>
+    <p:spTree>
+      <p:nvGrpSpPr>
+        <p:cNvPr id="1" name=""/>
+        <p:cNvGrpSpPr/>
+        <p:nvPr/>
+      </p:nvGrpSpPr>
+      <p:grpSpPr>
+        <a:xfrm>
+          <a:off x="0" y="0"/>
+          <a:ext cx="0" cy="0"/>
+          <a:chOff x="0" y="0"/>
+          <a:chExt cx="0" cy="0"/>
+        </a:xfrm>
+      </p:grpSpPr>
+      <p:sp>
+        <p:nvSpPr>
           <p:cNvPr id="5" name="직사각형 4">
             <a:extLst>
               <a:ext uri="{FF2B5EF4-FFF2-40B4-BE49-F238E27FC236}">
@@ -19839,7 +21198,223 @@
 </p:sld>
 </file>
 
-<file path=ppt/slides/slide28.xml><?xml version="1.0" encoding="utf-8"?>
+<file path=ppt/slides/slide3.xml><?xml version="1.0" encoding="utf-8"?>
+<p:sld xmlns:a="http://schemas.openxmlformats.org/drawingml/2006/main" xmlns:r="http://schemas.openxmlformats.org/officeDocument/2006/relationships" xmlns:p="http://schemas.openxmlformats.org/presentationml/2006/main">
+  <p:cSld>
+    <p:spTree>
+      <p:nvGrpSpPr>
+        <p:cNvPr id="1" name=""/>
+        <p:cNvGrpSpPr/>
+        <p:nvPr/>
+      </p:nvGrpSpPr>
+      <p:grpSpPr>
+        <a:xfrm>
+          <a:off x="0" y="0"/>
+          <a:ext cx="0" cy="0"/>
+          <a:chOff x="0" y="0"/>
+          <a:chExt cx="0" cy="0"/>
+        </a:xfrm>
+      </p:grpSpPr>
+      <p:sp>
+        <p:nvSpPr>
+          <p:cNvPr id="5" name="직사각형 4">
+            <a:extLst>
+              <a:ext uri="{FF2B5EF4-FFF2-40B4-BE49-F238E27FC236}">
+                <a16:creationId xmlns:a16="http://schemas.microsoft.com/office/drawing/2014/main" id="{024F486E-54F4-404F-83B6-9BFBEFE979B8}"/>
+              </a:ext>
+            </a:extLst>
+          </p:cNvPr>
+          <p:cNvSpPr/>
+          <p:nvPr/>
+        </p:nvSpPr>
+        <p:spPr>
+          <a:xfrm>
+            <a:off x="0" y="0"/>
+            <a:ext cx="12192000" cy="6858000"/>
+          </a:xfrm>
+          <a:prstGeom prst="rect">
+            <a:avLst/>
+          </a:prstGeom>
+          <a:solidFill>
+            <a:schemeClr val="accent3">
+              <a:alpha val="60000"/>
+            </a:schemeClr>
+          </a:solidFill>
+          <a:ln>
+            <a:noFill/>
+          </a:ln>
+        </p:spPr>
+        <p:style>
+          <a:lnRef idx="2">
+            <a:schemeClr val="accent1">
+              <a:shade val="50000"/>
+            </a:schemeClr>
+          </a:lnRef>
+          <a:fillRef idx="1">
+            <a:schemeClr val="accent1"/>
+          </a:fillRef>
+          <a:effectRef idx="0">
+            <a:schemeClr val="accent1"/>
+          </a:effectRef>
+          <a:fontRef idx="minor">
+            <a:schemeClr val="lt1"/>
+          </a:fontRef>
+        </p:style>
+        <p:txBody>
+          <a:bodyPr rtlCol="0" anchor="ctr"/>
+          <a:lstStyle/>
+          <a:p>
+            <a:pPr algn="ctr"/>
+            <a:endParaRPr lang="ko-KR" altLang="en-US"/>
+          </a:p>
+        </p:txBody>
+      </p:sp>
+      <p:grpSp>
+        <p:nvGrpSpPr>
+          <p:cNvPr id="6" name="그룹 5">
+            <a:extLst>
+              <a:ext uri="{FF2B5EF4-FFF2-40B4-BE49-F238E27FC236}">
+                <a16:creationId xmlns:a16="http://schemas.microsoft.com/office/drawing/2014/main" id="{869B6332-F6E3-4FE2-810C-2C589EE7937C}"/>
+              </a:ext>
+            </a:extLst>
+          </p:cNvPr>
+          <p:cNvGrpSpPr/>
+          <p:nvPr/>
+        </p:nvGrpSpPr>
+        <p:grpSpPr>
+          <a:xfrm>
+            <a:off x="2095176" y="2345306"/>
+            <a:ext cx="8001646" cy="1853135"/>
+            <a:chOff x="4470895" y="2611120"/>
+            <a:chExt cx="3180080" cy="1853135"/>
+          </a:xfrm>
+        </p:grpSpPr>
+        <p:sp>
+          <p:nvSpPr>
+            <p:cNvPr id="7" name="TextBox 6">
+              <a:extLst>
+                <a:ext uri="{FF2B5EF4-FFF2-40B4-BE49-F238E27FC236}">
+                  <a16:creationId xmlns:a16="http://schemas.microsoft.com/office/drawing/2014/main" id="{415125F2-1B27-4E65-90FD-15228A57767D}"/>
+                </a:ext>
+              </a:extLst>
+            </p:cNvPr>
+            <p:cNvSpPr txBox="1"/>
+            <p:nvPr/>
+          </p:nvSpPr>
+          <p:spPr>
+            <a:xfrm>
+              <a:off x="5528300" y="2611120"/>
+              <a:ext cx="1135402" cy="1015663"/>
+            </a:xfrm>
+            <a:prstGeom prst="rect">
+              <a:avLst/>
+            </a:prstGeom>
+            <a:noFill/>
+          </p:spPr>
+          <p:txBody>
+            <a:bodyPr wrap="none" rtlCol="0">
+              <a:spAutoFit/>
+            </a:bodyPr>
+            <a:lstStyle/>
+            <a:p>
+              <a:pPr algn="ctr"/>
+              <a:r>
+                <a:rPr lang="en-US" altLang="ko-KR" sz="6000" dirty="0">
+                  <a:solidFill>
+                    <a:schemeClr val="bg1"/>
+                  </a:solidFill>
+                  <a:latin typeface="+mj-lt"/>
+                </a:rPr>
+                <a:t>Item 26</a:t>
+              </a:r>
+              <a:endParaRPr lang="ko-KR" altLang="en-US" sz="6000" dirty="0">
+                <a:solidFill>
+                  <a:schemeClr val="bg1"/>
+                </a:solidFill>
+                <a:latin typeface="+mj-lt"/>
+              </a:endParaRPr>
+            </a:p>
+          </p:txBody>
+        </p:sp>
+        <p:sp>
+          <p:nvSpPr>
+            <p:cNvPr id="8" name="TextBox 7">
+              <a:extLst>
+                <a:ext uri="{FF2B5EF4-FFF2-40B4-BE49-F238E27FC236}">
+                  <a16:creationId xmlns:a16="http://schemas.microsoft.com/office/drawing/2014/main" id="{59A343EF-2245-4D93-8317-E326C9E822D9}"/>
+                </a:ext>
+              </a:extLst>
+            </p:cNvPr>
+            <p:cNvSpPr txBox="1"/>
+            <p:nvPr/>
+          </p:nvSpPr>
+          <p:spPr>
+            <a:xfrm>
+              <a:off x="4470895" y="3694814"/>
+              <a:ext cx="3180080" cy="769441"/>
+            </a:xfrm>
+            <a:prstGeom prst="rect">
+              <a:avLst/>
+            </a:prstGeom>
+            <a:noFill/>
+          </p:spPr>
+          <p:txBody>
+            <a:bodyPr wrap="square" rtlCol="0">
+              <a:spAutoFit/>
+            </a:bodyPr>
+            <a:lstStyle/>
+            <a:p>
+              <a:pPr algn="ctr"/>
+              <a:r>
+                <a:rPr lang="en-US" altLang="ko-KR" sz="4400" dirty="0">
+                  <a:solidFill>
+                    <a:schemeClr val="bg1"/>
+                  </a:solidFill>
+                  <a:latin typeface="G마켓 산스 TTF Light" panose="02000000000000000000" pitchFamily="2" charset="-127"/>
+                  <a:ea typeface="G마켓 산스 TTF Light" panose="02000000000000000000" pitchFamily="2" charset="-127"/>
+                </a:rPr>
+                <a:t>raw </a:t>
+              </a:r>
+              <a:r>
+                <a:rPr lang="ko-KR" altLang="en-US" sz="4400" dirty="0">
+                  <a:solidFill>
+                    <a:schemeClr val="bg1"/>
+                  </a:solidFill>
+                  <a:latin typeface="G마켓 산스 TTF Light" panose="02000000000000000000" pitchFamily="2" charset="-127"/>
+                  <a:ea typeface="G마켓 산스 TTF Light" panose="02000000000000000000" pitchFamily="2" charset="-127"/>
+                </a:rPr>
+                <a:t>타입은 사용하지 마라</a:t>
+              </a:r>
+            </a:p>
+          </p:txBody>
+        </p:sp>
+      </p:grpSp>
+    </p:spTree>
+    <p:extLst>
+      <p:ext uri="{BB962C8B-B14F-4D97-AF65-F5344CB8AC3E}">
+        <p14:creationId xmlns:p14="http://schemas.microsoft.com/office/powerpoint/2010/main" val="3462717854"/>
+      </p:ext>
+    </p:extLst>
+  </p:cSld>
+  <p:clrMapOvr>
+    <a:masterClrMapping/>
+  </p:clrMapOvr>
+  <mc:AlternateContent xmlns:mc="http://schemas.openxmlformats.org/markup-compatibility/2006" xmlns:p159="http://schemas.microsoft.com/office/powerpoint/2015/09/main">
+    <mc:Choice Requires="p159">
+      <p:transition xmlns:p14="http://schemas.microsoft.com/office/powerpoint/2010/main" spd="slow" p14:dur="2000">
+        <p159:morph option="byObject"/>
+      </p:transition>
+    </mc:Choice>
+    <mc:Fallback xmlns="">
+      <p:transition spd="slow">
+        <p:fade/>
+      </p:transition>
+    </mc:Fallback>
+  </mc:AlternateContent>
+</p:sld>
+</file>
+
+<file path=ppt/slides/slide30.xml><?xml version="1.0" encoding="utf-8"?>
 <p:sld xmlns:a="http://schemas.openxmlformats.org/drawingml/2006/main" xmlns:r="http://schemas.openxmlformats.org/officeDocument/2006/relationships" xmlns:p="http://schemas.openxmlformats.org/presentationml/2006/main">
   <p:cSld>
     <p:spTree>
@@ -20150,7 +21725,7 @@
 </p:sld>
 </file>
 
-<file path=ppt/slides/slide29.xml><?xml version="1.0" encoding="utf-8"?>
+<file path=ppt/slides/slide31.xml><?xml version="1.0" encoding="utf-8"?>
 <p:sld xmlns:a="http://schemas.openxmlformats.org/drawingml/2006/main" xmlns:r="http://schemas.openxmlformats.org/officeDocument/2006/relationships" xmlns:p="http://schemas.openxmlformats.org/presentationml/2006/main">
   <p:cSld>
     <p:spTree>
@@ -21599,223 +23174,7 @@
 </p:sld>
 </file>
 
-<file path=ppt/slides/slide3.xml><?xml version="1.0" encoding="utf-8"?>
-<p:sld xmlns:a="http://schemas.openxmlformats.org/drawingml/2006/main" xmlns:r="http://schemas.openxmlformats.org/officeDocument/2006/relationships" xmlns:p="http://schemas.openxmlformats.org/presentationml/2006/main">
-  <p:cSld>
-    <p:spTree>
-      <p:nvGrpSpPr>
-        <p:cNvPr id="1" name=""/>
-        <p:cNvGrpSpPr/>
-        <p:nvPr/>
-      </p:nvGrpSpPr>
-      <p:grpSpPr>
-        <a:xfrm>
-          <a:off x="0" y="0"/>
-          <a:ext cx="0" cy="0"/>
-          <a:chOff x="0" y="0"/>
-          <a:chExt cx="0" cy="0"/>
-        </a:xfrm>
-      </p:grpSpPr>
-      <p:sp>
-        <p:nvSpPr>
-          <p:cNvPr id="5" name="직사각형 4">
-            <a:extLst>
-              <a:ext uri="{FF2B5EF4-FFF2-40B4-BE49-F238E27FC236}">
-                <a16:creationId xmlns:a16="http://schemas.microsoft.com/office/drawing/2014/main" id="{024F486E-54F4-404F-83B6-9BFBEFE979B8}"/>
-              </a:ext>
-            </a:extLst>
-          </p:cNvPr>
-          <p:cNvSpPr/>
-          <p:nvPr/>
-        </p:nvSpPr>
-        <p:spPr>
-          <a:xfrm>
-            <a:off x="0" y="0"/>
-            <a:ext cx="12192000" cy="6858000"/>
-          </a:xfrm>
-          <a:prstGeom prst="rect">
-            <a:avLst/>
-          </a:prstGeom>
-          <a:solidFill>
-            <a:schemeClr val="accent3">
-              <a:alpha val="60000"/>
-            </a:schemeClr>
-          </a:solidFill>
-          <a:ln>
-            <a:noFill/>
-          </a:ln>
-        </p:spPr>
-        <p:style>
-          <a:lnRef idx="2">
-            <a:schemeClr val="accent1">
-              <a:shade val="50000"/>
-            </a:schemeClr>
-          </a:lnRef>
-          <a:fillRef idx="1">
-            <a:schemeClr val="accent1"/>
-          </a:fillRef>
-          <a:effectRef idx="0">
-            <a:schemeClr val="accent1"/>
-          </a:effectRef>
-          <a:fontRef idx="minor">
-            <a:schemeClr val="lt1"/>
-          </a:fontRef>
-        </p:style>
-        <p:txBody>
-          <a:bodyPr rtlCol="0" anchor="ctr"/>
-          <a:lstStyle/>
-          <a:p>
-            <a:pPr algn="ctr"/>
-            <a:endParaRPr lang="ko-KR" altLang="en-US"/>
-          </a:p>
-        </p:txBody>
-      </p:sp>
-      <p:grpSp>
-        <p:nvGrpSpPr>
-          <p:cNvPr id="6" name="그룹 5">
-            <a:extLst>
-              <a:ext uri="{FF2B5EF4-FFF2-40B4-BE49-F238E27FC236}">
-                <a16:creationId xmlns:a16="http://schemas.microsoft.com/office/drawing/2014/main" id="{869B6332-F6E3-4FE2-810C-2C589EE7937C}"/>
-              </a:ext>
-            </a:extLst>
-          </p:cNvPr>
-          <p:cNvGrpSpPr/>
-          <p:nvPr/>
-        </p:nvGrpSpPr>
-        <p:grpSpPr>
-          <a:xfrm>
-            <a:off x="2095176" y="2345306"/>
-            <a:ext cx="8001646" cy="1853135"/>
-            <a:chOff x="4470895" y="2611120"/>
-            <a:chExt cx="3180080" cy="1853135"/>
-          </a:xfrm>
-        </p:grpSpPr>
-        <p:sp>
-          <p:nvSpPr>
-            <p:cNvPr id="7" name="TextBox 6">
-              <a:extLst>
-                <a:ext uri="{FF2B5EF4-FFF2-40B4-BE49-F238E27FC236}">
-                  <a16:creationId xmlns:a16="http://schemas.microsoft.com/office/drawing/2014/main" id="{415125F2-1B27-4E65-90FD-15228A57767D}"/>
-                </a:ext>
-              </a:extLst>
-            </p:cNvPr>
-            <p:cNvSpPr txBox="1"/>
-            <p:nvPr/>
-          </p:nvSpPr>
-          <p:spPr>
-            <a:xfrm>
-              <a:off x="5528300" y="2611120"/>
-              <a:ext cx="1135402" cy="1015663"/>
-            </a:xfrm>
-            <a:prstGeom prst="rect">
-              <a:avLst/>
-            </a:prstGeom>
-            <a:noFill/>
-          </p:spPr>
-          <p:txBody>
-            <a:bodyPr wrap="none" rtlCol="0">
-              <a:spAutoFit/>
-            </a:bodyPr>
-            <a:lstStyle/>
-            <a:p>
-              <a:pPr algn="ctr"/>
-              <a:r>
-                <a:rPr lang="en-US" altLang="ko-KR" sz="6000" dirty="0">
-                  <a:solidFill>
-                    <a:schemeClr val="bg1"/>
-                  </a:solidFill>
-                  <a:latin typeface="+mj-lt"/>
-                </a:rPr>
-                <a:t>Item 26</a:t>
-              </a:r>
-              <a:endParaRPr lang="ko-KR" altLang="en-US" sz="6000" dirty="0">
-                <a:solidFill>
-                  <a:schemeClr val="bg1"/>
-                </a:solidFill>
-                <a:latin typeface="+mj-lt"/>
-              </a:endParaRPr>
-            </a:p>
-          </p:txBody>
-        </p:sp>
-        <p:sp>
-          <p:nvSpPr>
-            <p:cNvPr id="8" name="TextBox 7">
-              <a:extLst>
-                <a:ext uri="{FF2B5EF4-FFF2-40B4-BE49-F238E27FC236}">
-                  <a16:creationId xmlns:a16="http://schemas.microsoft.com/office/drawing/2014/main" id="{59A343EF-2245-4D93-8317-E326C9E822D9}"/>
-                </a:ext>
-              </a:extLst>
-            </p:cNvPr>
-            <p:cNvSpPr txBox="1"/>
-            <p:nvPr/>
-          </p:nvSpPr>
-          <p:spPr>
-            <a:xfrm>
-              <a:off x="4470895" y="3694814"/>
-              <a:ext cx="3180080" cy="769441"/>
-            </a:xfrm>
-            <a:prstGeom prst="rect">
-              <a:avLst/>
-            </a:prstGeom>
-            <a:noFill/>
-          </p:spPr>
-          <p:txBody>
-            <a:bodyPr wrap="square" rtlCol="0">
-              <a:spAutoFit/>
-            </a:bodyPr>
-            <a:lstStyle/>
-            <a:p>
-              <a:pPr algn="ctr"/>
-              <a:r>
-                <a:rPr lang="en-US" altLang="ko-KR" sz="4400" dirty="0">
-                  <a:solidFill>
-                    <a:schemeClr val="bg1"/>
-                  </a:solidFill>
-                  <a:latin typeface="G마켓 산스 TTF Light" panose="02000000000000000000" pitchFamily="2" charset="-127"/>
-                  <a:ea typeface="G마켓 산스 TTF Light" panose="02000000000000000000" pitchFamily="2" charset="-127"/>
-                </a:rPr>
-                <a:t>raw </a:t>
-              </a:r>
-              <a:r>
-                <a:rPr lang="ko-KR" altLang="en-US" sz="4400" dirty="0">
-                  <a:solidFill>
-                    <a:schemeClr val="bg1"/>
-                  </a:solidFill>
-                  <a:latin typeface="G마켓 산스 TTF Light" panose="02000000000000000000" pitchFamily="2" charset="-127"/>
-                  <a:ea typeface="G마켓 산스 TTF Light" panose="02000000000000000000" pitchFamily="2" charset="-127"/>
-                </a:rPr>
-                <a:t>타입은 사용하지 마라</a:t>
-              </a:r>
-            </a:p>
-          </p:txBody>
-        </p:sp>
-      </p:grpSp>
-    </p:spTree>
-    <p:extLst>
-      <p:ext uri="{BB962C8B-B14F-4D97-AF65-F5344CB8AC3E}">
-        <p14:creationId xmlns:p14="http://schemas.microsoft.com/office/powerpoint/2010/main" val="3462717854"/>
-      </p:ext>
-    </p:extLst>
-  </p:cSld>
-  <p:clrMapOvr>
-    <a:masterClrMapping/>
-  </p:clrMapOvr>
-  <mc:AlternateContent xmlns:mc="http://schemas.openxmlformats.org/markup-compatibility/2006" xmlns:p159="http://schemas.microsoft.com/office/powerpoint/2015/09/main">
-    <mc:Choice Requires="p159">
-      <p:transition xmlns:p14="http://schemas.microsoft.com/office/powerpoint/2010/main" spd="slow" p14:dur="2000">
-        <p159:morph option="byObject"/>
-      </p:transition>
-    </mc:Choice>
-    <mc:Fallback xmlns="">
-      <p:transition spd="slow">
-        <p:fade/>
-      </p:transition>
-    </mc:Fallback>
-  </mc:AlternateContent>
-</p:sld>
-</file>
-
-<file path=ppt/slides/slide30.xml><?xml version="1.0" encoding="utf-8"?>
+<file path=ppt/slides/slide32.xml><?xml version="1.0" encoding="utf-8"?>
 <p:sld xmlns:a="http://schemas.openxmlformats.org/drawingml/2006/main" xmlns:r="http://schemas.openxmlformats.org/officeDocument/2006/relationships" xmlns:p="http://schemas.openxmlformats.org/presentationml/2006/main">
   <p:cSld>
     <p:bg>
